--- a/Powerpoint Version 2.pptx
+++ b/Powerpoint Version 2.pptx
@@ -121,7 +121,7 @@
   </p:defaultTextStyle>
   <p:extLst>
     <p:ext uri="{EFAFB233-063F-42B5-8137-9DF3F51BA10A}">
-      <p15:sldGuideLst xmlns:p15="http://schemas.microsoft.com/office/powerpoint/2012/main"/>
+      <p15:sldGuideLst xmlns:p15="http://schemas.microsoft.com/office/powerpoint/2012/main" xmlns=""/>
     </p:ext>
   </p:extLst>
 </p:presentation>
@@ -130,11 +130,7 @@
 <file path=ppt/commentAuthors.xml><?xml version="1.0" encoding="utf-8"?>
 <p:cmAuthorLst xmlns:a="http://schemas.openxmlformats.org/drawingml/2006/main" xmlns:r="http://schemas.openxmlformats.org/officeDocument/2006/relationships" xmlns:p="http://schemas.openxmlformats.org/presentationml/2006/main">
   <p:cmAuthor id="1" name="christopher slaghuis" initials="cs" lastIdx="1" clrIdx="0">
-    <p:extLst>
-      <p:ext uri="{19B8F6BF-5375-455C-9EA6-DF929625EA0E}">
-        <p15:presenceInfo xmlns:p15="http://schemas.microsoft.com/office/powerpoint/2012/main" userId="19ec3d2876070195" providerId="Windows Live"/>
-      </p:ext>
-    </p:extLst>
+    <p:extLst/>
   </p:cmAuthor>
 </p:cmAuthorLst>
 </file>
@@ -316,7 +312,7 @@
           <a:p>
             <a:fld id="{0740C01B-45F1-43C1-B365-E2F96241F408}" type="datetimeFigureOut">
               <a:rPr lang="en-ZA" smtClean="0"/>
-              <a:t>2020/02/20</a:t>
+              <a:t>2020/02/23</a:t>
             </a:fld>
             <a:endParaRPr lang="en-ZA"/>
           </a:p>
@@ -486,7 +482,7 @@
           <a:p>
             <a:fld id="{0740C01B-45F1-43C1-B365-E2F96241F408}" type="datetimeFigureOut">
               <a:rPr lang="en-ZA" smtClean="0"/>
-              <a:t>2020/02/20</a:t>
+              <a:t>2020/02/23</a:t>
             </a:fld>
             <a:endParaRPr lang="en-ZA"/>
           </a:p>
@@ -666,7 +662,7 @@
           <a:p>
             <a:fld id="{0740C01B-45F1-43C1-B365-E2F96241F408}" type="datetimeFigureOut">
               <a:rPr lang="en-ZA" smtClean="0"/>
-              <a:t>2020/02/20</a:t>
+              <a:t>2020/02/23</a:t>
             </a:fld>
             <a:endParaRPr lang="en-ZA"/>
           </a:p>
@@ -836,7 +832,7 @@
           <a:p>
             <a:fld id="{0740C01B-45F1-43C1-B365-E2F96241F408}" type="datetimeFigureOut">
               <a:rPr lang="en-ZA" smtClean="0"/>
-              <a:t>2020/02/20</a:t>
+              <a:t>2020/02/23</a:t>
             </a:fld>
             <a:endParaRPr lang="en-ZA"/>
           </a:p>
@@ -1104,7 +1100,7 @@
           <a:p>
             <a:fld id="{0740C01B-45F1-43C1-B365-E2F96241F408}" type="datetimeFigureOut">
               <a:rPr lang="en-ZA" smtClean="0"/>
-              <a:t>2020/02/20</a:t>
+              <a:t>2020/02/23</a:t>
             </a:fld>
             <a:endParaRPr lang="en-ZA"/>
           </a:p>
@@ -1336,7 +1332,7 @@
           <a:p>
             <a:fld id="{0740C01B-45F1-43C1-B365-E2F96241F408}" type="datetimeFigureOut">
               <a:rPr lang="en-ZA" smtClean="0"/>
-              <a:t>2020/02/20</a:t>
+              <a:t>2020/02/23</a:t>
             </a:fld>
             <a:endParaRPr lang="en-ZA"/>
           </a:p>
@@ -1695,7 +1691,7 @@
           <a:p>
             <a:fld id="{0740C01B-45F1-43C1-B365-E2F96241F408}" type="datetimeFigureOut">
               <a:rPr lang="en-ZA" smtClean="0"/>
-              <a:t>2020/02/20</a:t>
+              <a:t>2020/02/23</a:t>
             </a:fld>
             <a:endParaRPr lang="en-ZA"/>
           </a:p>
@@ -1836,7 +1832,7 @@
           <a:p>
             <a:fld id="{0740C01B-45F1-43C1-B365-E2F96241F408}" type="datetimeFigureOut">
               <a:rPr lang="en-ZA" smtClean="0"/>
-              <a:t>2020/02/20</a:t>
+              <a:t>2020/02/23</a:t>
             </a:fld>
             <a:endParaRPr lang="en-ZA"/>
           </a:p>
@@ -1931,7 +1927,7 @@
           <a:p>
             <a:fld id="{0740C01B-45F1-43C1-B365-E2F96241F408}" type="datetimeFigureOut">
               <a:rPr lang="en-ZA" smtClean="0"/>
-              <a:t>2020/02/20</a:t>
+              <a:t>2020/02/23</a:t>
             </a:fld>
             <a:endParaRPr lang="en-ZA"/>
           </a:p>
@@ -2288,7 +2284,7 @@
           <a:p>
             <a:fld id="{0740C01B-45F1-43C1-B365-E2F96241F408}" type="datetimeFigureOut">
               <a:rPr lang="en-ZA" smtClean="0"/>
-              <a:t>2020/02/20</a:t>
+              <a:t>2020/02/23</a:t>
             </a:fld>
             <a:endParaRPr lang="en-ZA"/>
           </a:p>
@@ -2645,7 +2641,7 @@
           <a:p>
             <a:fld id="{0740C01B-45F1-43C1-B365-E2F96241F408}" type="datetimeFigureOut">
               <a:rPr lang="en-ZA" smtClean="0"/>
-              <a:t>2020/02/20</a:t>
+              <a:t>2020/02/23</a:t>
             </a:fld>
             <a:endParaRPr lang="en-ZA"/>
           </a:p>
@@ -2887,7 +2883,7 @@
           <a:p>
             <a:fld id="{0740C01B-45F1-43C1-B365-E2F96241F408}" type="datetimeFigureOut">
               <a:rPr lang="en-ZA" smtClean="0"/>
-              <a:t>2020/02/20</a:t>
+              <a:t>2020/02/23</a:t>
             </a:fld>
             <a:endParaRPr lang="en-ZA"/>
           </a:p>
@@ -3344,7 +3340,7 @@
           <p:cNvPr id="2" name="Title 1">
             <a:extLst>
               <a:ext uri="{FF2B5EF4-FFF2-40B4-BE49-F238E27FC236}">
-                <a16:creationId xmlns:a16="http://schemas.microsoft.com/office/drawing/2014/main" id="{BB24783C-8005-4991-93EE-4CA2AC8A45E0}"/>
+                <a16:creationId xmlns:a16="http://schemas.microsoft.com/office/drawing/2014/main" xmlns="" id="{BB24783C-8005-4991-93EE-4CA2AC8A45E0}"/>
               </a:ext>
             </a:extLst>
           </p:cNvPr>
@@ -3374,7 +3370,7 @@
           <p:cNvPr id="3" name="Subtitle 2">
             <a:extLst>
               <a:ext uri="{FF2B5EF4-FFF2-40B4-BE49-F238E27FC236}">
-                <a16:creationId xmlns:a16="http://schemas.microsoft.com/office/drawing/2014/main" id="{20D6CE52-852F-46AE-9366-468E1E5FFFD9}"/>
+                <a16:creationId xmlns:a16="http://schemas.microsoft.com/office/drawing/2014/main" xmlns="" id="{20D6CE52-852F-46AE-9366-468E1E5FFFD9}"/>
               </a:ext>
             </a:extLst>
           </p:cNvPr>
@@ -3391,8 +3387,12 @@
           <a:lstStyle/>
           <a:p>
             <a:r>
-              <a:rPr lang="en-ZA" dirty="0"/>
-              <a:t>For the Take One Movie Theatre</a:t>
+              <a:rPr lang="en-ZA" dirty="0" smtClean="0"/>
+              <a:t>Take </a:t>
+            </a:r>
+            <a:r>
+              <a:rPr lang="en-ZA" dirty="0"/>
+              <a:t>One Movie Theatre</a:t>
             </a:r>
           </a:p>
           <a:p>
@@ -3413,6 +3413,13 @@
   <p:clrMapOvr>
     <a:masterClrMapping/>
   </p:clrMapOvr>
+  <p:timing>
+    <p:tnLst>
+      <p:par>
+        <p:cTn id="1" dur="indefinite" restart="never" nodeType="tmRoot"/>
+      </p:par>
+    </p:tnLst>
+  </p:timing>
 </p:sld>
 </file>
 
@@ -3438,7 +3445,7 @@
           <p:cNvPr id="2" name="Title 1">
             <a:extLst>
               <a:ext uri="{FF2B5EF4-FFF2-40B4-BE49-F238E27FC236}">
-                <a16:creationId xmlns:a16="http://schemas.microsoft.com/office/drawing/2014/main" id="{6CD276A5-93E0-4BF5-8076-A76DD56D81AD}"/>
+                <a16:creationId xmlns:a16="http://schemas.microsoft.com/office/drawing/2014/main" xmlns="" id="{6CD276A5-93E0-4BF5-8076-A76DD56D81AD}"/>
               </a:ext>
             </a:extLst>
           </p:cNvPr>
@@ -3466,7 +3473,7 @@
           <p:cNvPr id="3" name="Content Placeholder 2">
             <a:extLst>
               <a:ext uri="{FF2B5EF4-FFF2-40B4-BE49-F238E27FC236}">
-                <a16:creationId xmlns:a16="http://schemas.microsoft.com/office/drawing/2014/main" id="{C3213CCD-105E-4A99-9C36-18EAD67E93FD}"/>
+                <a16:creationId xmlns:a16="http://schemas.microsoft.com/office/drawing/2014/main" xmlns="" id="{C3213CCD-105E-4A99-9C36-18EAD67E93FD}"/>
               </a:ext>
             </a:extLst>
           </p:cNvPr>
@@ -3563,7 +3570,7 @@
           <p:cNvPr id="2" name="Title 1">
             <a:extLst>
               <a:ext uri="{FF2B5EF4-FFF2-40B4-BE49-F238E27FC236}">
-                <a16:creationId xmlns:a16="http://schemas.microsoft.com/office/drawing/2014/main" id="{7A58C37B-484A-4931-B720-BAE06723B9BA}"/>
+                <a16:creationId xmlns:a16="http://schemas.microsoft.com/office/drawing/2014/main" xmlns="" id="{7A58C37B-484A-4931-B720-BAE06723B9BA}"/>
               </a:ext>
             </a:extLst>
           </p:cNvPr>
@@ -3591,7 +3598,7 @@
           <p:cNvPr id="3" name="Content Placeholder 2">
             <a:extLst>
               <a:ext uri="{FF2B5EF4-FFF2-40B4-BE49-F238E27FC236}">
-                <a16:creationId xmlns:a16="http://schemas.microsoft.com/office/drawing/2014/main" id="{B94806E6-EC76-4099-9B24-6DCC53851189}"/>
+                <a16:creationId xmlns:a16="http://schemas.microsoft.com/office/drawing/2014/main" xmlns="" id="{B94806E6-EC76-4099-9B24-6DCC53851189}"/>
               </a:ext>
             </a:extLst>
           </p:cNvPr>
@@ -3605,7 +3612,7 @@
         <p:spPr/>
         <p:txBody>
           <a:bodyPr>
-            <a:normAutofit fontScale="92500" lnSpcReduction="20000"/>
+            <a:normAutofit/>
           </a:bodyPr>
           <a:lstStyle/>
           <a:p>
@@ -3615,31 +3622,67 @@
             </a:r>
           </a:p>
           <a:p>
-            <a:pPr lvl="0"/>
-            <a:r>
-              <a:rPr lang="en-ZA" dirty="0"/>
-              <a:t>WhatsApp system to confirm the booking. This will allow the user to be communicated to over another platform. WhatsApp is more accessible to more users in today’s day and age.</a:t>
-            </a:r>
-          </a:p>
-          <a:p>
-            <a:pPr lvl="0"/>
-            <a:r>
-              <a:rPr lang="en-ZA" dirty="0"/>
-              <a:t>Multiple language interface to accommodate more clients. This must ask the user of their preferred language. The system will continue in the selected language.</a:t>
-            </a:r>
-          </a:p>
-          <a:p>
-            <a:pPr lvl="0"/>
-            <a:r>
-              <a:rPr lang="en-ZA" dirty="0"/>
-              <a:t>If the theatre has the opportunity to expand, theatres must be maintained. The possibility for the new theatre to expand must be taken into consideration for the future.</a:t>
-            </a:r>
-          </a:p>
-          <a:p>
-            <a:pPr lvl="0"/>
-            <a:r>
-              <a:rPr lang="en-ZA" dirty="0"/>
-              <a:t>QR code scanners can be implemented to ease the checking of tickets at the movie theatre. This will show the movie the client will watch and which seats are booked. </a:t>
+            <a:pPr lvl="1"/>
+            <a:r>
+              <a:rPr lang="en-ZA" dirty="0" smtClean="0"/>
+              <a:t>Additional WhatsApp </a:t>
+            </a:r>
+            <a:r>
+              <a:rPr lang="en-ZA" dirty="0"/>
+              <a:t>system to confirm the </a:t>
+            </a:r>
+            <a:r>
+              <a:rPr lang="en-ZA" dirty="0" smtClean="0"/>
+              <a:t>booking and send the e-ticket to. WhatsApp </a:t>
+            </a:r>
+            <a:r>
+              <a:rPr lang="en-ZA" dirty="0"/>
+              <a:t>is more accessible to more users in today’s day and age.</a:t>
+            </a:r>
+          </a:p>
+          <a:p>
+            <a:pPr lvl="1"/>
+            <a:r>
+              <a:rPr lang="en-ZA" dirty="0"/>
+              <a:t>Multiple language interface to accommodate more clients. This must ask the user of their preferred language</a:t>
+            </a:r>
+            <a:r>
+              <a:rPr lang="en-ZA" dirty="0" smtClean="0"/>
+              <a:t>.  </a:t>
+            </a:r>
+            <a:r>
+              <a:rPr lang="en-ZA" dirty="0"/>
+              <a:t>The system will continue in the selected language.</a:t>
+            </a:r>
+          </a:p>
+          <a:p>
+            <a:pPr lvl="1"/>
+            <a:r>
+              <a:rPr lang="en-ZA" dirty="0"/>
+              <a:t>If the theatre has the opportunity to expand, theatres must be maintained. </a:t>
+            </a:r>
+            <a:r>
+              <a:rPr lang="en-ZA" dirty="0" smtClean="0"/>
+              <a:t> The </a:t>
+            </a:r>
+            <a:r>
+              <a:rPr lang="en-ZA" dirty="0"/>
+              <a:t>possibility for the new theatre to expand must be taken into consideration for the future.</a:t>
+            </a:r>
+          </a:p>
+          <a:p>
+            <a:pPr lvl="1"/>
+            <a:r>
+              <a:rPr lang="en-ZA" dirty="0"/>
+              <a:t>QR code scanners can be implemented to ease the checking of tickets at the movie theatre. </a:t>
+            </a:r>
+            <a:r>
+              <a:rPr lang="en-ZA" dirty="0" smtClean="0"/>
+              <a:t> This </a:t>
+            </a:r>
+            <a:r>
+              <a:rPr lang="en-ZA" dirty="0"/>
+              <a:t>will show the movie the client will watch and which seats are booked. </a:t>
             </a:r>
           </a:p>
           <a:p>
@@ -3657,6 +3700,13 @@
   <p:clrMapOvr>
     <a:masterClrMapping/>
   </p:clrMapOvr>
+  <p:timing>
+    <p:tnLst>
+      <p:par>
+        <p:cTn id="1" dur="indefinite" restart="never" nodeType="tmRoot"/>
+      </p:par>
+    </p:tnLst>
+  </p:timing>
 </p:sld>
 </file>
 
@@ -3682,7 +3732,7 @@
           <p:cNvPr id="2" name="Title 1">
             <a:extLst>
               <a:ext uri="{FF2B5EF4-FFF2-40B4-BE49-F238E27FC236}">
-                <a16:creationId xmlns:a16="http://schemas.microsoft.com/office/drawing/2014/main" id="{CB483C5B-BE79-4C96-8253-A9AF2B7CCD27}"/>
+                <a16:creationId xmlns:a16="http://schemas.microsoft.com/office/drawing/2014/main" xmlns="" id="{CB483C5B-BE79-4C96-8253-A9AF2B7CCD27}"/>
               </a:ext>
             </a:extLst>
           </p:cNvPr>
@@ -3715,7 +3765,7 @@
           <p:cNvPr id="4" name="Content Placeholder 3">
             <a:extLst>
               <a:ext uri="{FF2B5EF4-FFF2-40B4-BE49-F238E27FC236}">
-                <a16:creationId xmlns:a16="http://schemas.microsoft.com/office/drawing/2014/main" id="{6478AA69-8886-47E0-8892-74524D5A43B1}"/>
+                <a16:creationId xmlns:a16="http://schemas.microsoft.com/office/drawing/2014/main" xmlns="" id="{6478AA69-8886-47E0-8892-74524D5A43B1}"/>
               </a:ext>
             </a:extLst>
           </p:cNvPr>
@@ -3726,14 +3776,14 @@
             <p:ph idx="1"/>
             <p:extLst>
               <p:ext uri="{D42A27DB-BD31-4B8C-83A1-F6EECF244321}">
-                <p14:modId xmlns:p14="http://schemas.microsoft.com/office/powerpoint/2010/main" val="1930706421"/>
+                <p14:modId xmlns:p14="http://schemas.microsoft.com/office/powerpoint/2010/main" val="1453202674"/>
               </p:ext>
             </p:extLst>
           </p:nvPr>
         </p:nvGraphicFramePr>
         <p:xfrm>
           <a:off x="838200" y="1690688"/>
-          <a:ext cx="10683240" cy="4527231"/>
+          <a:ext cx="10683240" cy="4653730"/>
         </p:xfrm>
         <a:graphic>
           <a:graphicData uri="http://schemas.openxmlformats.org/drawingml/2006/table">
@@ -3743,21 +3793,21 @@
                 <a:gridCol w="2067353">
                   <a:extLst>
                     <a:ext uri="{9D8B030D-6E8A-4147-A177-3AD203B41FA5}">
-                      <a16:colId xmlns:a16="http://schemas.microsoft.com/office/drawing/2014/main" val="577156623"/>
+                      <a16:colId xmlns:a16="http://schemas.microsoft.com/office/drawing/2014/main" xmlns="" val="577156623"/>
                     </a:ext>
                   </a:extLst>
                 </a:gridCol>
                 <a:gridCol w="6459560">
                   <a:extLst>
                     <a:ext uri="{9D8B030D-6E8A-4147-A177-3AD203B41FA5}">
-                      <a16:colId xmlns:a16="http://schemas.microsoft.com/office/drawing/2014/main" val="2836251614"/>
+                      <a16:colId xmlns:a16="http://schemas.microsoft.com/office/drawing/2014/main" xmlns="" val="2836251614"/>
                     </a:ext>
                   </a:extLst>
                 </a:gridCol>
                 <a:gridCol w="2156327">
                   <a:extLst>
                     <a:ext uri="{9D8B030D-6E8A-4147-A177-3AD203B41FA5}">
-                      <a16:colId xmlns:a16="http://schemas.microsoft.com/office/drawing/2014/main" val="1574645357"/>
+                      <a16:colId xmlns:a16="http://schemas.microsoft.com/office/drawing/2014/main" xmlns="" val="1574645357"/>
                     </a:ext>
                   </a:extLst>
                 </a:gridCol>
@@ -3777,17 +3827,17 @@
                         </a:spcAft>
                       </a:pPr>
                       <a:r>
-                        <a:rPr lang="en-GB" sz="1000" b="1">
+                        <a:rPr lang="en-GB" sz="1050" b="1" dirty="0">
                           <a:effectLst/>
-                          <a:latin typeface="Arial" panose="020B0604020202020204" pitchFamily="34" charset="0"/>
+                          <a:latin typeface="+mn-lt"/>
                           <a:ea typeface="Arial" panose="020B0604020202020204" pitchFamily="34" charset="0"/>
                           <a:cs typeface="Times New Roman" panose="02020603050405020304" pitchFamily="18" charset="0"/>
                         </a:rPr>
                         <a:t>Project Steps</a:t>
                       </a:r>
-                      <a:endParaRPr lang="en-ZA" sz="1000">
+                      <a:endParaRPr lang="en-ZA" sz="1050" dirty="0">
                         <a:effectLst/>
-                        <a:latin typeface="Arial" panose="020B0604020202020204" pitchFamily="34" charset="0"/>
+                        <a:latin typeface="+mn-lt"/>
                         <a:ea typeface="Arial" panose="020B0604020202020204" pitchFamily="34" charset="0"/>
                         <a:cs typeface="Times New Roman" panose="02020603050405020304" pitchFamily="18" charset="0"/>
                       </a:endParaRPr>
@@ -3849,20 +3899,20 @@
                         </a:spcAft>
                       </a:pPr>
                       <a:r>
-                        <a:rPr lang="en-GB" sz="1000" b="1">
+                        <a:rPr lang="en-GB" sz="1050" b="1">
                           <a:solidFill>
                             <a:srgbClr val="000000"/>
                           </a:solidFill>
                           <a:effectLst/>
-                          <a:latin typeface="Arial" panose="020B0604020202020204" pitchFamily="34" charset="0"/>
+                          <a:latin typeface="+mn-lt"/>
                           <a:ea typeface="Arial" panose="020B0604020202020204" pitchFamily="34" charset="0"/>
                           <a:cs typeface="Times New Roman" panose="02020603050405020304" pitchFamily="18" charset="0"/>
                         </a:rPr>
                         <a:t>Steps Implemented</a:t>
                       </a:r>
-                      <a:endParaRPr lang="en-ZA" sz="1000">
+                      <a:endParaRPr lang="en-ZA" sz="1050">
                         <a:effectLst/>
-                        <a:latin typeface="Arial" panose="020B0604020202020204" pitchFamily="34" charset="0"/>
+                        <a:latin typeface="+mn-lt"/>
                         <a:ea typeface="Arial" panose="020B0604020202020204" pitchFamily="34" charset="0"/>
                         <a:cs typeface="Times New Roman" panose="02020603050405020304" pitchFamily="18" charset="0"/>
                       </a:endParaRPr>
@@ -3897,6 +3947,160 @@
                       <a:tailEnd type="none" w="med" len="med"/>
                     </a:lnT>
                     <a:lnB w="38100" cap="flat" cmpd="sng" algn="ctr">
+                      <a:solidFill>
+                        <a:srgbClr val="FFFFFF"/>
+                      </a:solidFill>
+                      <a:prstDash val="solid"/>
+                      <a:round/>
+                      <a:headEnd type="none" w="med" len="med"/>
+                      <a:tailEnd type="none" w="med" len="med"/>
+                    </a:lnB>
+                    <a:solidFill>
+                      <a:srgbClr val="5B9BD5"/>
+                    </a:solidFill>
+                  </a:tcPr>
+                </a:tc>
+                <a:tc>
+                  <a:txBody>
+                    <a:bodyPr/>
+                    <a:lstStyle/>
+                    <a:p>
+                      <a:pPr algn="l">
+                        <a:lnSpc>
+                          <a:spcPct val="150000"/>
+                        </a:lnSpc>
+                        <a:spcAft>
+                          <a:spcPts val="0"/>
+                        </a:spcAft>
+                      </a:pPr>
+                      <a:r>
+                        <a:rPr lang="en-GB" sz="1100" b="1">
+                          <a:effectLst/>
+                          <a:latin typeface="Arial"/>
+                          <a:ea typeface="Arial"/>
+                          <a:cs typeface="Times New Roman"/>
+                        </a:rPr>
+                        <a:t>Proposed date</a:t>
+                      </a:r>
+                      <a:endParaRPr lang="en-GB" sz="1100">
+                        <a:effectLst/>
+                        <a:latin typeface="Arial"/>
+                        <a:ea typeface="Arial"/>
+                        <a:cs typeface="Times New Roman"/>
+                      </a:endParaRPr>
+                    </a:p>
+                  </a:txBody>
+                  <a:tcPr marL="68580" marR="68580" marT="0" marB="0">
+                    <a:lnL w="12700" cap="flat" cmpd="sng" algn="ctr">
+                      <a:solidFill>
+                        <a:srgbClr val="FFFFFF"/>
+                      </a:solidFill>
+                      <a:prstDash val="solid"/>
+                      <a:round/>
+                      <a:headEnd type="none" w="med" len="med"/>
+                      <a:tailEnd type="none" w="med" len="med"/>
+                    </a:lnL>
+                    <a:lnR w="12700" cap="flat" cmpd="sng" algn="ctr">
+                      <a:solidFill>
+                        <a:srgbClr val="000000"/>
+                      </a:solidFill>
+                      <a:prstDash val="solid"/>
+                      <a:round/>
+                      <a:headEnd type="none" w="med" len="med"/>
+                      <a:tailEnd type="none" w="med" len="med"/>
+                    </a:lnR>
+                    <a:lnT w="12700" cap="flat" cmpd="sng" algn="ctr">
+                      <a:solidFill>
+                        <a:srgbClr val="000000"/>
+                      </a:solidFill>
+                      <a:prstDash val="solid"/>
+                      <a:round/>
+                      <a:headEnd type="none" w="med" len="med"/>
+                      <a:tailEnd type="none" w="med" len="med"/>
+                    </a:lnT>
+                    <a:lnB w="38100" cap="flat" cmpd="sng" algn="ctr">
+                      <a:solidFill>
+                        <a:srgbClr val="FFFFFF"/>
+                      </a:solidFill>
+                      <a:prstDash val="solid"/>
+                      <a:round/>
+                      <a:headEnd type="none" w="med" len="med"/>
+                      <a:tailEnd type="none" w="med" len="med"/>
+                    </a:lnB>
+                    <a:solidFill>
+                      <a:srgbClr val="5B9BD5"/>
+                    </a:solidFill>
+                  </a:tcPr>
+                </a:tc>
+                <a:extLst>
+                  <a:ext uri="{0D108BD9-81ED-4DB2-BD59-A6C34878D82A}">
+                    <a16:rowId xmlns:a16="http://schemas.microsoft.com/office/drawing/2014/main" xmlns="" val="2630199878"/>
+                  </a:ext>
+                </a:extLst>
+              </a:tr>
+              <a:tr h="324078">
+                <a:tc>
+                  <a:txBody>
+                    <a:bodyPr/>
+                    <a:lstStyle/>
+                    <a:p>
+                      <a:pPr algn="l">
+                        <a:lnSpc>
+                          <a:spcPct val="107000"/>
+                        </a:lnSpc>
+                        <a:spcAft>
+                          <a:spcPts val="800"/>
+                        </a:spcAft>
+                      </a:pPr>
+                      <a:r>
+                        <a:rPr lang="en-GB" sz="1050" b="1">
+                          <a:solidFill>
+                            <a:srgbClr val="000000"/>
+                          </a:solidFill>
+                          <a:effectLst/>
+                          <a:latin typeface="+mn-lt"/>
+                          <a:ea typeface="Arial" panose="020B0604020202020204" pitchFamily="34" charset="0"/>
+                          <a:cs typeface="Times New Roman" panose="02020603050405020304" pitchFamily="18" charset="0"/>
+                        </a:rPr>
+                        <a:t>Scope definition</a:t>
+                      </a:r>
+                      <a:endParaRPr lang="en-ZA" sz="1050">
+                        <a:effectLst/>
+                        <a:latin typeface="+mn-lt"/>
+                        <a:ea typeface="Arial" panose="020B0604020202020204" pitchFamily="34" charset="0"/>
+                        <a:cs typeface="Times New Roman" panose="02020603050405020304" pitchFamily="18" charset="0"/>
+                      </a:endParaRPr>
+                    </a:p>
+                  </a:txBody>
+                  <a:tcPr marL="59430" marR="59430" marT="8254" marB="0">
+                    <a:lnL w="12700" cap="flat" cmpd="sng" algn="ctr">
+                      <a:solidFill>
+                        <a:srgbClr val="000000"/>
+                      </a:solidFill>
+                      <a:prstDash val="solid"/>
+                      <a:round/>
+                      <a:headEnd type="none" w="med" len="med"/>
+                      <a:tailEnd type="none" w="med" len="med"/>
+                    </a:lnL>
+                    <a:lnR w="12700" cap="flat" cmpd="sng" algn="ctr">
+                      <a:solidFill>
+                        <a:srgbClr val="FFFFFF"/>
+                      </a:solidFill>
+                      <a:prstDash val="solid"/>
+                      <a:round/>
+                      <a:headEnd type="none" w="med" len="med"/>
+                      <a:tailEnd type="none" w="med" len="med"/>
+                    </a:lnR>
+                    <a:lnT w="38100" cap="flat" cmpd="sng" algn="ctr">
+                      <a:solidFill>
+                        <a:srgbClr val="FFFFFF"/>
+                      </a:solidFill>
+                      <a:prstDash val="solid"/>
+                      <a:round/>
+                      <a:headEnd type="none" w="med" len="med"/>
+                      <a:tailEnd type="none" w="med" len="med"/>
+                    </a:lnT>
+                    <a:lnB w="12700" cap="flat" cmpd="sng" algn="ctr">
                       <a:solidFill>
                         <a:srgbClr val="FFFFFF"/>
                       </a:solidFill>
@@ -3924,20 +4128,20 @@
                         </a:spcAft>
                       </a:pPr>
                       <a:r>
-                        <a:rPr lang="en-GB" sz="1000" b="1">
+                        <a:rPr lang="en-GB" sz="1050">
                           <a:solidFill>
                             <a:srgbClr val="000000"/>
                           </a:solidFill>
                           <a:effectLst/>
-                          <a:latin typeface="Arial" panose="020B0604020202020204" pitchFamily="34" charset="0"/>
+                          <a:latin typeface="+mn-lt"/>
                           <a:ea typeface="Arial" panose="020B0604020202020204" pitchFamily="34" charset="0"/>
                           <a:cs typeface="Times New Roman" panose="02020603050405020304" pitchFamily="18" charset="0"/>
                         </a:rPr>
-                        <a:t>Proposed date</a:t>
+                        <a:t>Scope definition documented in the project proposal. </a:t>
                       </a:r>
-                      <a:endParaRPr lang="en-ZA" sz="1000">
+                      <a:endParaRPr lang="en-ZA" sz="1050">
                         <a:effectLst/>
-                        <a:latin typeface="Arial" panose="020B0604020202020204" pitchFamily="34" charset="0"/>
+                        <a:latin typeface="+mn-lt"/>
                         <a:ea typeface="Arial" panose="020B0604020202020204" pitchFamily="34" charset="0"/>
                         <a:cs typeface="Times New Roman" panose="02020603050405020304" pitchFamily="18" charset="0"/>
                       </a:endParaRPr>
@@ -3955,23 +4159,23 @@
                     </a:lnL>
                     <a:lnR w="12700" cap="flat" cmpd="sng" algn="ctr">
                       <a:solidFill>
-                        <a:srgbClr val="000000"/>
+                        <a:srgbClr val="FFFFFF"/>
                       </a:solidFill>
                       <a:prstDash val="solid"/>
                       <a:round/>
                       <a:headEnd type="none" w="med" len="med"/>
                       <a:tailEnd type="none" w="med" len="med"/>
                     </a:lnR>
-                    <a:lnT w="12700" cap="flat" cmpd="sng" algn="ctr">
-                      <a:solidFill>
-                        <a:srgbClr val="000000"/>
+                    <a:lnT w="38100" cap="flat" cmpd="sng" algn="ctr">
+                      <a:solidFill>
+                        <a:srgbClr val="FFFFFF"/>
                       </a:solidFill>
                       <a:prstDash val="solid"/>
                       <a:round/>
                       <a:headEnd type="none" w="med" len="med"/>
                       <a:tailEnd type="none" w="med" len="med"/>
                     </a:lnT>
-                    <a:lnB w="38100" cap="flat" cmpd="sng" algn="ctr">
+                    <a:lnB w="12700" cap="flat" cmpd="sng" algn="ctr">
                       <a:solidFill>
                         <a:srgbClr val="FFFFFF"/>
                       </a:solidFill>
@@ -3981,17 +4185,83 @@
                       <a:tailEnd type="none" w="med" len="med"/>
                     </a:lnB>
                     <a:solidFill>
-                      <a:srgbClr val="5B9BD5"/>
+                      <a:srgbClr val="D2DEEF"/>
+                    </a:solidFill>
+                  </a:tcPr>
+                </a:tc>
+                <a:tc>
+                  <a:txBody>
+                    <a:bodyPr/>
+                    <a:lstStyle/>
+                    <a:p>
+                      <a:pPr algn="l">
+                        <a:lnSpc>
+                          <a:spcPct val="150000"/>
+                        </a:lnSpc>
+                        <a:spcAft>
+                          <a:spcPts val="0"/>
+                        </a:spcAft>
+                      </a:pPr>
+                      <a:r>
+                        <a:rPr lang="en-GB" sz="1100">
+                          <a:effectLst/>
+                          <a:latin typeface="Arial"/>
+                          <a:ea typeface="Arial"/>
+                          <a:cs typeface="Times New Roman"/>
+                        </a:rPr>
+                        <a:t>24-02-2020</a:t>
+                      </a:r>
+                    </a:p>
+                  </a:txBody>
+                  <a:tcPr marL="68580" marR="68580" marT="0" marB="0">
+                    <a:lnL w="12700" cap="flat" cmpd="sng" algn="ctr">
+                      <a:solidFill>
+                        <a:srgbClr val="FFFFFF"/>
+                      </a:solidFill>
+                      <a:prstDash val="solid"/>
+                      <a:round/>
+                      <a:headEnd type="none" w="med" len="med"/>
+                      <a:tailEnd type="none" w="med" len="med"/>
+                    </a:lnL>
+                    <a:lnR w="12700" cap="flat" cmpd="sng" algn="ctr">
+                      <a:solidFill>
+                        <a:srgbClr val="000000"/>
+                      </a:solidFill>
+                      <a:prstDash val="solid"/>
+                      <a:round/>
+                      <a:headEnd type="none" w="med" len="med"/>
+                      <a:tailEnd type="none" w="med" len="med"/>
+                    </a:lnR>
+                    <a:lnT w="38100" cap="flat" cmpd="sng" algn="ctr">
+                      <a:solidFill>
+                        <a:srgbClr val="FFFFFF"/>
+                      </a:solidFill>
+                      <a:prstDash val="solid"/>
+                      <a:round/>
+                      <a:headEnd type="none" w="med" len="med"/>
+                      <a:tailEnd type="none" w="med" len="med"/>
+                    </a:lnT>
+                    <a:lnB w="12700" cap="flat" cmpd="sng" algn="ctr">
+                      <a:solidFill>
+                        <a:srgbClr val="FFFFFF"/>
+                      </a:solidFill>
+                      <a:prstDash val="solid"/>
+                      <a:round/>
+                      <a:headEnd type="none" w="med" len="med"/>
+                      <a:tailEnd type="none" w="med" len="med"/>
+                    </a:lnB>
+                    <a:solidFill>
+                      <a:srgbClr val="D2DEEF"/>
                     </a:solidFill>
                   </a:tcPr>
                 </a:tc>
                 <a:extLst>
                   <a:ext uri="{0D108BD9-81ED-4DB2-BD59-A6C34878D82A}">
-                    <a16:rowId xmlns:a16="http://schemas.microsoft.com/office/drawing/2014/main" val="2630199878"/>
+                    <a16:rowId xmlns:a16="http://schemas.microsoft.com/office/drawing/2014/main" xmlns="" val="2146653066"/>
                   </a:ext>
                 </a:extLst>
               </a:tr>
-              <a:tr h="324078">
+              <a:tr h="487936">
                 <a:tc>
                   <a:txBody>
                     <a:bodyPr/>
@@ -4006,20 +4276,20 @@
                         </a:spcAft>
                       </a:pPr>
                       <a:r>
-                        <a:rPr lang="en-GB" sz="1000" b="1">
+                        <a:rPr lang="en-GB" sz="1050" b="1">
                           <a:solidFill>
                             <a:srgbClr val="000000"/>
                           </a:solidFill>
                           <a:effectLst/>
-                          <a:latin typeface="Arial" panose="020B0604020202020204" pitchFamily="34" charset="0"/>
+                          <a:latin typeface="+mn-lt"/>
                           <a:ea typeface="Arial" panose="020B0604020202020204" pitchFamily="34" charset="0"/>
                           <a:cs typeface="Times New Roman" panose="02020603050405020304" pitchFamily="18" charset="0"/>
                         </a:rPr>
-                        <a:t>Scope definition</a:t>
+                        <a:t>Problem analysis</a:t>
                       </a:r>
-                      <a:endParaRPr lang="en-ZA" sz="1000">
+                      <a:endParaRPr lang="en-ZA" sz="1050">
                         <a:effectLst/>
-                        <a:latin typeface="Arial" panose="020B0604020202020204" pitchFamily="34" charset="0"/>
+                        <a:latin typeface="+mn-lt"/>
                         <a:ea typeface="Arial" panose="020B0604020202020204" pitchFamily="34" charset="0"/>
                         <a:cs typeface="Times New Roman" panose="02020603050405020304" pitchFamily="18" charset="0"/>
                       </a:endParaRPr>
@@ -4044,7 +4314,7 @@
                       <a:headEnd type="none" w="med" len="med"/>
                       <a:tailEnd type="none" w="med" len="med"/>
                     </a:lnR>
-                    <a:lnT w="38100" cap="flat" cmpd="sng" algn="ctr">
+                    <a:lnT w="12700" cap="flat" cmpd="sng" algn="ctr">
                       <a:solidFill>
                         <a:srgbClr val="FFFFFF"/>
                       </a:solidFill>
@@ -4081,20 +4351,20 @@
                         </a:spcAft>
                       </a:pPr>
                       <a:r>
-                        <a:rPr lang="en-GB" sz="1000">
+                        <a:rPr lang="en-GB" sz="1050">
                           <a:solidFill>
                             <a:srgbClr val="000000"/>
                           </a:solidFill>
                           <a:effectLst/>
-                          <a:latin typeface="Arial" panose="020B0604020202020204" pitchFamily="34" charset="0"/>
+                          <a:latin typeface="+mn-lt"/>
                           <a:ea typeface="Arial" panose="020B0604020202020204" pitchFamily="34" charset="0"/>
                           <a:cs typeface="Times New Roman" panose="02020603050405020304" pitchFamily="18" charset="0"/>
                         </a:rPr>
-                        <a:t>Scope definition documented in the project proposal. </a:t>
+                        <a:t>The project proposal with the existing problems, proposed solutions to the problems, business opportunities, schedule of events and the economic justification. </a:t>
                       </a:r>
-                      <a:endParaRPr lang="en-ZA" sz="1000">
+                      <a:endParaRPr lang="en-ZA" sz="1050">
                         <a:effectLst/>
-                        <a:latin typeface="Arial" panose="020B0604020202020204" pitchFamily="34" charset="0"/>
+                        <a:latin typeface="+mn-lt"/>
                         <a:ea typeface="Arial" panose="020B0604020202020204" pitchFamily="34" charset="0"/>
                         <a:cs typeface="Times New Roman" panose="02020603050405020304" pitchFamily="18" charset="0"/>
                       </a:endParaRPr>
@@ -4119,7 +4389,7 @@
                       <a:headEnd type="none" w="med" len="med"/>
                       <a:tailEnd type="none" w="med" len="med"/>
                     </a:lnR>
-                    <a:lnT w="38100" cap="flat" cmpd="sng" algn="ctr">
+                    <a:lnT w="12700" cap="flat" cmpd="sng" algn="ctr">
                       <a:solidFill>
                         <a:srgbClr val="FFFFFF"/>
                       </a:solidFill>
@@ -4138,10 +4408,83 @@
                       <a:tailEnd type="none" w="med" len="med"/>
                     </a:lnB>
                     <a:solidFill>
-                      <a:srgbClr val="D2DEEF"/>
+                      <a:srgbClr val="EAEFF7"/>
                     </a:solidFill>
                   </a:tcPr>
                 </a:tc>
+                <a:tc>
+                  <a:txBody>
+                    <a:bodyPr/>
+                    <a:lstStyle/>
+                    <a:p>
+                      <a:pPr algn="l">
+                        <a:lnSpc>
+                          <a:spcPct val="150000"/>
+                        </a:lnSpc>
+                        <a:spcAft>
+                          <a:spcPts val="0"/>
+                        </a:spcAft>
+                      </a:pPr>
+                      <a:r>
+                        <a:rPr lang="en-GB" sz="1100">
+                          <a:effectLst/>
+                          <a:latin typeface="Arial"/>
+                          <a:ea typeface="Arial"/>
+                          <a:cs typeface="Times New Roman"/>
+                        </a:rPr>
+                        <a:t>24-02-2020</a:t>
+                      </a:r>
+                    </a:p>
+                  </a:txBody>
+                  <a:tcPr marL="68580" marR="68580" marT="0" marB="0">
+                    <a:lnL w="12700" cap="flat" cmpd="sng" algn="ctr">
+                      <a:solidFill>
+                        <a:srgbClr val="FFFFFF"/>
+                      </a:solidFill>
+                      <a:prstDash val="solid"/>
+                      <a:round/>
+                      <a:headEnd type="none" w="med" len="med"/>
+                      <a:tailEnd type="none" w="med" len="med"/>
+                    </a:lnL>
+                    <a:lnR w="12700" cap="flat" cmpd="sng" algn="ctr">
+                      <a:solidFill>
+                        <a:srgbClr val="000000"/>
+                      </a:solidFill>
+                      <a:prstDash val="solid"/>
+                      <a:round/>
+                      <a:headEnd type="none" w="med" len="med"/>
+                      <a:tailEnd type="none" w="med" len="med"/>
+                    </a:lnR>
+                    <a:lnT w="12700" cap="flat" cmpd="sng" algn="ctr">
+                      <a:solidFill>
+                        <a:srgbClr val="FFFFFF"/>
+                      </a:solidFill>
+                      <a:prstDash val="solid"/>
+                      <a:round/>
+                      <a:headEnd type="none" w="med" len="med"/>
+                      <a:tailEnd type="none" w="med" len="med"/>
+                    </a:lnT>
+                    <a:lnB w="12700" cap="flat" cmpd="sng" algn="ctr">
+                      <a:solidFill>
+                        <a:srgbClr val="FFFFFF"/>
+                      </a:solidFill>
+                      <a:prstDash val="solid"/>
+                      <a:round/>
+                      <a:headEnd type="none" w="med" len="med"/>
+                      <a:tailEnd type="none" w="med" len="med"/>
+                    </a:lnB>
+                    <a:solidFill>
+                      <a:srgbClr val="EAEFF7"/>
+                    </a:solidFill>
+                  </a:tcPr>
+                </a:tc>
+                <a:extLst>
+                  <a:ext uri="{0D108BD9-81ED-4DB2-BD59-A6C34878D82A}">
+                    <a16:rowId xmlns:a16="http://schemas.microsoft.com/office/drawing/2014/main" xmlns="" val="3194890412"/>
+                  </a:ext>
+                </a:extLst>
+              </a:tr>
+              <a:tr h="324078">
                 <a:tc>
                   <a:txBody>
                     <a:bodyPr/>
@@ -4156,102 +4499,20 @@
                         </a:spcAft>
                       </a:pPr>
                       <a:r>
-                        <a:rPr lang="en-GB" sz="1000">
+                        <a:rPr lang="en-GB" sz="1050" b="1">
                           <a:solidFill>
                             <a:srgbClr val="000000"/>
                           </a:solidFill>
                           <a:effectLst/>
-                          <a:latin typeface="Arial" panose="020B0604020202020204" pitchFamily="34" charset="0"/>
+                          <a:latin typeface="+mn-lt"/>
                           <a:ea typeface="Arial" panose="020B0604020202020204" pitchFamily="34" charset="0"/>
                           <a:cs typeface="Times New Roman" panose="02020603050405020304" pitchFamily="18" charset="0"/>
                         </a:rPr>
-                        <a:t>24-02-2020</a:t>
+                        <a:t>Requirements analysis</a:t>
                       </a:r>
-                      <a:endParaRPr lang="en-ZA" sz="1000">
+                      <a:endParaRPr lang="en-ZA" sz="1050">
                         <a:effectLst/>
-                        <a:latin typeface="Arial" panose="020B0604020202020204" pitchFamily="34" charset="0"/>
-                        <a:ea typeface="Arial" panose="020B0604020202020204" pitchFamily="34" charset="0"/>
-                        <a:cs typeface="Times New Roman" panose="02020603050405020304" pitchFamily="18" charset="0"/>
-                      </a:endParaRPr>
-                    </a:p>
-                  </a:txBody>
-                  <a:tcPr marL="59430" marR="59430" marT="8254" marB="0">
-                    <a:lnL w="12700" cap="flat" cmpd="sng" algn="ctr">
-                      <a:solidFill>
-                        <a:srgbClr val="FFFFFF"/>
-                      </a:solidFill>
-                      <a:prstDash val="solid"/>
-                      <a:round/>
-                      <a:headEnd type="none" w="med" len="med"/>
-                      <a:tailEnd type="none" w="med" len="med"/>
-                    </a:lnL>
-                    <a:lnR w="12700" cap="flat" cmpd="sng" algn="ctr">
-                      <a:solidFill>
-                        <a:srgbClr val="000000"/>
-                      </a:solidFill>
-                      <a:prstDash val="solid"/>
-                      <a:round/>
-                      <a:headEnd type="none" w="med" len="med"/>
-                      <a:tailEnd type="none" w="med" len="med"/>
-                    </a:lnR>
-                    <a:lnT w="38100" cap="flat" cmpd="sng" algn="ctr">
-                      <a:solidFill>
-                        <a:srgbClr val="FFFFFF"/>
-                      </a:solidFill>
-                      <a:prstDash val="solid"/>
-                      <a:round/>
-                      <a:headEnd type="none" w="med" len="med"/>
-                      <a:tailEnd type="none" w="med" len="med"/>
-                    </a:lnT>
-                    <a:lnB w="12700" cap="flat" cmpd="sng" algn="ctr">
-                      <a:solidFill>
-                        <a:srgbClr val="FFFFFF"/>
-                      </a:solidFill>
-                      <a:prstDash val="solid"/>
-                      <a:round/>
-                      <a:headEnd type="none" w="med" len="med"/>
-                      <a:tailEnd type="none" w="med" len="med"/>
-                    </a:lnB>
-                    <a:solidFill>
-                      <a:srgbClr val="D2DEEF"/>
-                    </a:solidFill>
-                  </a:tcPr>
-                </a:tc>
-                <a:extLst>
-                  <a:ext uri="{0D108BD9-81ED-4DB2-BD59-A6C34878D82A}">
-                    <a16:rowId xmlns:a16="http://schemas.microsoft.com/office/drawing/2014/main" val="2146653066"/>
-                  </a:ext>
-                </a:extLst>
-              </a:tr>
-              <a:tr h="487936">
-                <a:tc>
-                  <a:txBody>
-                    <a:bodyPr/>
-                    <a:lstStyle/>
-                    <a:p>
-                      <a:pPr algn="l">
-                        <a:lnSpc>
-                          <a:spcPct val="107000"/>
-                        </a:lnSpc>
-                        <a:spcAft>
-                          <a:spcPts val="800"/>
-                        </a:spcAft>
-                      </a:pPr>
-                      <a:r>
-                        <a:rPr lang="en-GB" sz="1000" b="1">
-                          <a:solidFill>
-                            <a:srgbClr val="000000"/>
-                          </a:solidFill>
-                          <a:effectLst/>
-                          <a:latin typeface="Arial" panose="020B0604020202020204" pitchFamily="34" charset="0"/>
-                          <a:ea typeface="Arial" panose="020B0604020202020204" pitchFamily="34" charset="0"/>
-                          <a:cs typeface="Times New Roman" panose="02020603050405020304" pitchFamily="18" charset="0"/>
-                        </a:rPr>
-                        <a:t>Problem analysis</a:t>
-                      </a:r>
-                      <a:endParaRPr lang="en-ZA" sz="1000">
-                        <a:effectLst/>
-                        <a:latin typeface="Arial" panose="020B0604020202020204" pitchFamily="34" charset="0"/>
+                        <a:latin typeface="+mn-lt"/>
                         <a:ea typeface="Arial" panose="020B0604020202020204" pitchFamily="34" charset="0"/>
                         <a:cs typeface="Times New Roman" panose="02020603050405020304" pitchFamily="18" charset="0"/>
                       </a:endParaRPr>
@@ -4313,20 +4574,20 @@
                         </a:spcAft>
                       </a:pPr>
                       <a:r>
-                        <a:rPr lang="en-GB" sz="1000">
+                        <a:rPr lang="en-GB" sz="1050">
                           <a:solidFill>
                             <a:srgbClr val="000000"/>
                           </a:solidFill>
                           <a:effectLst/>
-                          <a:latin typeface="Arial" panose="020B0604020202020204" pitchFamily="34" charset="0"/>
+                          <a:latin typeface="+mn-lt"/>
                           <a:ea typeface="Arial" panose="020B0604020202020204" pitchFamily="34" charset="0"/>
                           <a:cs typeface="Times New Roman" panose="02020603050405020304" pitchFamily="18" charset="0"/>
                         </a:rPr>
-                        <a:t>The project proposal with the existing problems, proposed solutions to the problems, business opportunities, schedule of events and the economic justification. </a:t>
+                        <a:t>Business requirement statements</a:t>
                       </a:r>
-                      <a:endParaRPr lang="en-ZA" sz="1000">
+                      <a:endParaRPr lang="en-ZA" sz="1050">
                         <a:effectLst/>
-                        <a:latin typeface="Arial" panose="020B0604020202020204" pitchFamily="34" charset="0"/>
+                        <a:latin typeface="+mn-lt"/>
                         <a:ea typeface="Arial" panose="020B0604020202020204" pitchFamily="34" charset="0"/>
                         <a:cs typeface="Times New Roman" panose="02020603050405020304" pitchFamily="18" charset="0"/>
                       </a:endParaRPr>
@@ -4370,10 +4631,89 @@
                       <a:tailEnd type="none" w="med" len="med"/>
                     </a:lnB>
                     <a:solidFill>
-                      <a:srgbClr val="EAEFF7"/>
+                      <a:srgbClr val="D2DEEF"/>
                     </a:solidFill>
                   </a:tcPr>
                 </a:tc>
+                <a:tc>
+                  <a:txBody>
+                    <a:bodyPr/>
+                    <a:lstStyle/>
+                    <a:p>
+                      <a:pPr algn="l">
+                        <a:lnSpc>
+                          <a:spcPct val="150000"/>
+                        </a:lnSpc>
+                        <a:spcAft>
+                          <a:spcPts val="0"/>
+                        </a:spcAft>
+                      </a:pPr>
+                      <a:r>
+                        <a:rPr lang="en-ZA" sz="1100">
+                          <a:effectLst/>
+                          <a:latin typeface="Arial"/>
+                          <a:ea typeface="Arial"/>
+                          <a:cs typeface="Times New Roman"/>
+                        </a:rPr>
+                        <a:t>20-03-2020</a:t>
+                      </a:r>
+                      <a:endParaRPr lang="en-GB" sz="1100">
+                        <a:effectLst/>
+                        <a:latin typeface="Arial"/>
+                        <a:ea typeface="Arial"/>
+                        <a:cs typeface="Times New Roman"/>
+                      </a:endParaRPr>
+                    </a:p>
+                  </a:txBody>
+                  <a:tcPr marL="68580" marR="68580" marT="0" marB="0">
+                    <a:lnL w="12700" cap="flat" cmpd="sng" algn="ctr">
+                      <a:solidFill>
+                        <a:srgbClr val="FFFFFF"/>
+                      </a:solidFill>
+                      <a:prstDash val="solid"/>
+                      <a:round/>
+                      <a:headEnd type="none" w="med" len="med"/>
+                      <a:tailEnd type="none" w="med" len="med"/>
+                    </a:lnL>
+                    <a:lnR w="12700" cap="flat" cmpd="sng" algn="ctr">
+                      <a:solidFill>
+                        <a:srgbClr val="000000"/>
+                      </a:solidFill>
+                      <a:prstDash val="solid"/>
+                      <a:round/>
+                      <a:headEnd type="none" w="med" len="med"/>
+                      <a:tailEnd type="none" w="med" len="med"/>
+                    </a:lnR>
+                    <a:lnT w="12700" cap="flat" cmpd="sng" algn="ctr">
+                      <a:solidFill>
+                        <a:srgbClr val="FFFFFF"/>
+                      </a:solidFill>
+                      <a:prstDash val="solid"/>
+                      <a:round/>
+                      <a:headEnd type="none" w="med" len="med"/>
+                      <a:tailEnd type="none" w="med" len="med"/>
+                    </a:lnT>
+                    <a:lnB w="12700" cap="flat" cmpd="sng" algn="ctr">
+                      <a:solidFill>
+                        <a:srgbClr val="FFFFFF"/>
+                      </a:solidFill>
+                      <a:prstDash val="solid"/>
+                      <a:round/>
+                      <a:headEnd type="none" w="med" len="med"/>
+                      <a:tailEnd type="none" w="med" len="med"/>
+                    </a:lnB>
+                    <a:solidFill>
+                      <a:srgbClr val="D2DEEF"/>
+                    </a:solidFill>
+                  </a:tcPr>
+                </a:tc>
+                <a:extLst>
+                  <a:ext uri="{0D108BD9-81ED-4DB2-BD59-A6C34878D82A}">
+                    <a16:rowId xmlns:a16="http://schemas.microsoft.com/office/drawing/2014/main" xmlns="" val="1231726446"/>
+                  </a:ext>
+                </a:extLst>
+              </a:tr>
+              <a:tr h="160220">
                 <a:tc>
                   <a:txBody>
                     <a:bodyPr/>
@@ -4388,102 +4728,20 @@
                         </a:spcAft>
                       </a:pPr>
                       <a:r>
-                        <a:rPr lang="en-GB" sz="1000">
+                        <a:rPr lang="en-GB" sz="1050" b="1">
                           <a:solidFill>
                             <a:srgbClr val="000000"/>
                           </a:solidFill>
                           <a:effectLst/>
-                          <a:latin typeface="Arial" panose="020B0604020202020204" pitchFamily="34" charset="0"/>
+                          <a:latin typeface="+mn-lt"/>
                           <a:ea typeface="Arial" panose="020B0604020202020204" pitchFamily="34" charset="0"/>
                           <a:cs typeface="Times New Roman" panose="02020603050405020304" pitchFamily="18" charset="0"/>
                         </a:rPr>
-                        <a:t>24-02-2020</a:t>
+                        <a:t>Logical design</a:t>
                       </a:r>
-                      <a:endParaRPr lang="en-ZA" sz="1000">
+                      <a:endParaRPr lang="en-ZA" sz="1050">
                         <a:effectLst/>
-                        <a:latin typeface="Arial" panose="020B0604020202020204" pitchFamily="34" charset="0"/>
-                        <a:ea typeface="Arial" panose="020B0604020202020204" pitchFamily="34" charset="0"/>
-                        <a:cs typeface="Times New Roman" panose="02020603050405020304" pitchFamily="18" charset="0"/>
-                      </a:endParaRPr>
-                    </a:p>
-                  </a:txBody>
-                  <a:tcPr marL="59430" marR="59430" marT="8254" marB="0">
-                    <a:lnL w="12700" cap="flat" cmpd="sng" algn="ctr">
-                      <a:solidFill>
-                        <a:srgbClr val="FFFFFF"/>
-                      </a:solidFill>
-                      <a:prstDash val="solid"/>
-                      <a:round/>
-                      <a:headEnd type="none" w="med" len="med"/>
-                      <a:tailEnd type="none" w="med" len="med"/>
-                    </a:lnL>
-                    <a:lnR w="12700" cap="flat" cmpd="sng" algn="ctr">
-                      <a:solidFill>
-                        <a:srgbClr val="000000"/>
-                      </a:solidFill>
-                      <a:prstDash val="solid"/>
-                      <a:round/>
-                      <a:headEnd type="none" w="med" len="med"/>
-                      <a:tailEnd type="none" w="med" len="med"/>
-                    </a:lnR>
-                    <a:lnT w="12700" cap="flat" cmpd="sng" algn="ctr">
-                      <a:solidFill>
-                        <a:srgbClr val="FFFFFF"/>
-                      </a:solidFill>
-                      <a:prstDash val="solid"/>
-                      <a:round/>
-                      <a:headEnd type="none" w="med" len="med"/>
-                      <a:tailEnd type="none" w="med" len="med"/>
-                    </a:lnT>
-                    <a:lnB w="12700" cap="flat" cmpd="sng" algn="ctr">
-                      <a:solidFill>
-                        <a:srgbClr val="FFFFFF"/>
-                      </a:solidFill>
-                      <a:prstDash val="solid"/>
-                      <a:round/>
-                      <a:headEnd type="none" w="med" len="med"/>
-                      <a:tailEnd type="none" w="med" len="med"/>
-                    </a:lnB>
-                    <a:solidFill>
-                      <a:srgbClr val="EAEFF7"/>
-                    </a:solidFill>
-                  </a:tcPr>
-                </a:tc>
-                <a:extLst>
-                  <a:ext uri="{0D108BD9-81ED-4DB2-BD59-A6C34878D82A}">
-                    <a16:rowId xmlns:a16="http://schemas.microsoft.com/office/drawing/2014/main" val="3194890412"/>
-                  </a:ext>
-                </a:extLst>
-              </a:tr>
-              <a:tr h="324078">
-                <a:tc>
-                  <a:txBody>
-                    <a:bodyPr/>
-                    <a:lstStyle/>
-                    <a:p>
-                      <a:pPr algn="l">
-                        <a:lnSpc>
-                          <a:spcPct val="107000"/>
-                        </a:lnSpc>
-                        <a:spcAft>
-                          <a:spcPts val="800"/>
-                        </a:spcAft>
-                      </a:pPr>
-                      <a:r>
-                        <a:rPr lang="en-GB" sz="1000" b="1">
-                          <a:solidFill>
-                            <a:srgbClr val="000000"/>
-                          </a:solidFill>
-                          <a:effectLst/>
-                          <a:latin typeface="Arial" panose="020B0604020202020204" pitchFamily="34" charset="0"/>
-                          <a:ea typeface="Arial" panose="020B0604020202020204" pitchFamily="34" charset="0"/>
-                          <a:cs typeface="Times New Roman" panose="02020603050405020304" pitchFamily="18" charset="0"/>
-                        </a:rPr>
-                        <a:t>Requirements analysis</a:t>
-                      </a:r>
-                      <a:endParaRPr lang="en-ZA" sz="1000">
-                        <a:effectLst/>
-                        <a:latin typeface="Arial" panose="020B0604020202020204" pitchFamily="34" charset="0"/>
+                        <a:latin typeface="+mn-lt"/>
                         <a:ea typeface="Arial" panose="020B0604020202020204" pitchFamily="34" charset="0"/>
                         <a:cs typeface="Times New Roman" panose="02020603050405020304" pitchFamily="18" charset="0"/>
                       </a:endParaRPr>
@@ -4545,243 +4803,20 @@
                         </a:spcAft>
                       </a:pPr>
                       <a:r>
-                        <a:rPr lang="en-GB" sz="1000">
+                        <a:rPr lang="en-GB" sz="1050">
                           <a:solidFill>
                             <a:srgbClr val="000000"/>
                           </a:solidFill>
                           <a:effectLst/>
-                          <a:latin typeface="Arial" panose="020B0604020202020204" pitchFamily="34" charset="0"/>
-                          <a:ea typeface="Arial" panose="020B0604020202020204" pitchFamily="34" charset="0"/>
-                          <a:cs typeface="Times New Roman" panose="02020603050405020304" pitchFamily="18" charset="0"/>
-                        </a:rPr>
-                        <a:t>Business requirement statements</a:t>
-                      </a:r>
-                      <a:endParaRPr lang="en-ZA" sz="1000">
-                        <a:effectLst/>
-                        <a:latin typeface="Arial" panose="020B0604020202020204" pitchFamily="34" charset="0"/>
-                        <a:ea typeface="Arial" panose="020B0604020202020204" pitchFamily="34" charset="0"/>
-                        <a:cs typeface="Times New Roman" panose="02020603050405020304" pitchFamily="18" charset="0"/>
-                      </a:endParaRPr>
-                    </a:p>
-                  </a:txBody>
-                  <a:tcPr marL="59430" marR="59430" marT="8254" marB="0">
-                    <a:lnL w="12700" cap="flat" cmpd="sng" algn="ctr">
-                      <a:solidFill>
-                        <a:srgbClr val="FFFFFF"/>
-                      </a:solidFill>
-                      <a:prstDash val="solid"/>
-                      <a:round/>
-                      <a:headEnd type="none" w="med" len="med"/>
-                      <a:tailEnd type="none" w="med" len="med"/>
-                    </a:lnL>
-                    <a:lnR w="12700" cap="flat" cmpd="sng" algn="ctr">
-                      <a:solidFill>
-                        <a:srgbClr val="FFFFFF"/>
-                      </a:solidFill>
-                      <a:prstDash val="solid"/>
-                      <a:round/>
-                      <a:headEnd type="none" w="med" len="med"/>
-                      <a:tailEnd type="none" w="med" len="med"/>
-                    </a:lnR>
-                    <a:lnT w="12700" cap="flat" cmpd="sng" algn="ctr">
-                      <a:solidFill>
-                        <a:srgbClr val="FFFFFF"/>
-                      </a:solidFill>
-                      <a:prstDash val="solid"/>
-                      <a:round/>
-                      <a:headEnd type="none" w="med" len="med"/>
-                      <a:tailEnd type="none" w="med" len="med"/>
-                    </a:lnT>
-                    <a:lnB w="12700" cap="flat" cmpd="sng" algn="ctr">
-                      <a:solidFill>
-                        <a:srgbClr val="FFFFFF"/>
-                      </a:solidFill>
-                      <a:prstDash val="solid"/>
-                      <a:round/>
-                      <a:headEnd type="none" w="med" len="med"/>
-                      <a:tailEnd type="none" w="med" len="med"/>
-                    </a:lnB>
-                    <a:solidFill>
-                      <a:srgbClr val="D2DEEF"/>
-                    </a:solidFill>
-                  </a:tcPr>
-                </a:tc>
-                <a:tc>
-                  <a:txBody>
-                    <a:bodyPr/>
-                    <a:lstStyle/>
-                    <a:p>
-                      <a:pPr algn="l">
-                        <a:lnSpc>
-                          <a:spcPct val="107000"/>
-                        </a:lnSpc>
-                        <a:spcAft>
-                          <a:spcPts val="800"/>
-                        </a:spcAft>
-                      </a:pPr>
-                      <a:r>
-                        <a:rPr lang="en-ZA" sz="1000">
-                          <a:effectLst/>
-                          <a:latin typeface="Arial" panose="020B0604020202020204" pitchFamily="34" charset="0"/>
-                          <a:ea typeface="Arial" panose="020B0604020202020204" pitchFamily="34" charset="0"/>
-                          <a:cs typeface="Times New Roman" panose="02020603050405020304" pitchFamily="18" charset="0"/>
-                        </a:rPr>
-                        <a:t> </a:t>
-                      </a:r>
-                    </a:p>
-                  </a:txBody>
-                  <a:tcPr marL="59430" marR="59430" marT="8254" marB="0">
-                    <a:lnL w="12700" cap="flat" cmpd="sng" algn="ctr">
-                      <a:solidFill>
-                        <a:srgbClr val="FFFFFF"/>
-                      </a:solidFill>
-                      <a:prstDash val="solid"/>
-                      <a:round/>
-                      <a:headEnd type="none" w="med" len="med"/>
-                      <a:tailEnd type="none" w="med" len="med"/>
-                    </a:lnL>
-                    <a:lnR w="12700" cap="flat" cmpd="sng" algn="ctr">
-                      <a:solidFill>
-                        <a:srgbClr val="000000"/>
-                      </a:solidFill>
-                      <a:prstDash val="solid"/>
-                      <a:round/>
-                      <a:headEnd type="none" w="med" len="med"/>
-                      <a:tailEnd type="none" w="med" len="med"/>
-                    </a:lnR>
-                    <a:lnT w="12700" cap="flat" cmpd="sng" algn="ctr">
-                      <a:solidFill>
-                        <a:srgbClr val="FFFFFF"/>
-                      </a:solidFill>
-                      <a:prstDash val="solid"/>
-                      <a:round/>
-                      <a:headEnd type="none" w="med" len="med"/>
-                      <a:tailEnd type="none" w="med" len="med"/>
-                    </a:lnT>
-                    <a:lnB w="12700" cap="flat" cmpd="sng" algn="ctr">
-                      <a:solidFill>
-                        <a:srgbClr val="FFFFFF"/>
-                      </a:solidFill>
-                      <a:prstDash val="solid"/>
-                      <a:round/>
-                      <a:headEnd type="none" w="med" len="med"/>
-                      <a:tailEnd type="none" w="med" len="med"/>
-                    </a:lnB>
-                    <a:solidFill>
-                      <a:srgbClr val="D2DEEF"/>
-                    </a:solidFill>
-                  </a:tcPr>
-                </a:tc>
-                <a:extLst>
-                  <a:ext uri="{0D108BD9-81ED-4DB2-BD59-A6C34878D82A}">
-                    <a16:rowId xmlns:a16="http://schemas.microsoft.com/office/drawing/2014/main" val="1231726446"/>
-                  </a:ext>
-                </a:extLst>
-              </a:tr>
-              <a:tr h="160220">
-                <a:tc>
-                  <a:txBody>
-                    <a:bodyPr/>
-                    <a:lstStyle/>
-                    <a:p>
-                      <a:pPr algn="l">
-                        <a:lnSpc>
-                          <a:spcPct val="107000"/>
-                        </a:lnSpc>
-                        <a:spcAft>
-                          <a:spcPts val="800"/>
-                        </a:spcAft>
-                      </a:pPr>
-                      <a:r>
-                        <a:rPr lang="en-GB" sz="1000" b="1">
-                          <a:solidFill>
-                            <a:srgbClr val="000000"/>
-                          </a:solidFill>
-                          <a:effectLst/>
-                          <a:latin typeface="Arial" panose="020B0604020202020204" pitchFamily="34" charset="0"/>
-                          <a:ea typeface="Arial" panose="020B0604020202020204" pitchFamily="34" charset="0"/>
-                          <a:cs typeface="Times New Roman" panose="02020603050405020304" pitchFamily="18" charset="0"/>
-                        </a:rPr>
-                        <a:t>Logical design</a:t>
-                      </a:r>
-                      <a:endParaRPr lang="en-ZA" sz="1000">
-                        <a:effectLst/>
-                        <a:latin typeface="Arial" panose="020B0604020202020204" pitchFamily="34" charset="0"/>
-                        <a:ea typeface="Arial" panose="020B0604020202020204" pitchFamily="34" charset="0"/>
-                        <a:cs typeface="Times New Roman" panose="02020603050405020304" pitchFamily="18" charset="0"/>
-                      </a:endParaRPr>
-                    </a:p>
-                  </a:txBody>
-                  <a:tcPr marL="59430" marR="59430" marT="8254" marB="0">
-                    <a:lnL w="12700" cap="flat" cmpd="sng" algn="ctr">
-                      <a:solidFill>
-                        <a:srgbClr val="000000"/>
-                      </a:solidFill>
-                      <a:prstDash val="solid"/>
-                      <a:round/>
-                      <a:headEnd type="none" w="med" len="med"/>
-                      <a:tailEnd type="none" w="med" len="med"/>
-                    </a:lnL>
-                    <a:lnR w="12700" cap="flat" cmpd="sng" algn="ctr">
-                      <a:solidFill>
-                        <a:srgbClr val="FFFFFF"/>
-                      </a:solidFill>
-                      <a:prstDash val="solid"/>
-                      <a:round/>
-                      <a:headEnd type="none" w="med" len="med"/>
-                      <a:tailEnd type="none" w="med" len="med"/>
-                    </a:lnR>
-                    <a:lnT w="12700" cap="flat" cmpd="sng" algn="ctr">
-                      <a:solidFill>
-                        <a:srgbClr val="FFFFFF"/>
-                      </a:solidFill>
-                      <a:prstDash val="solid"/>
-                      <a:round/>
-                      <a:headEnd type="none" w="med" len="med"/>
-                      <a:tailEnd type="none" w="med" len="med"/>
-                    </a:lnT>
-                    <a:lnB w="12700" cap="flat" cmpd="sng" algn="ctr">
-                      <a:solidFill>
-                        <a:srgbClr val="FFFFFF"/>
-                      </a:solidFill>
-                      <a:prstDash val="solid"/>
-                      <a:round/>
-                      <a:headEnd type="none" w="med" len="med"/>
-                      <a:tailEnd type="none" w="med" len="med"/>
-                    </a:lnB>
-                    <a:solidFill>
-                      <a:srgbClr val="5B9BD5"/>
-                    </a:solidFill>
-                  </a:tcPr>
-                </a:tc>
-                <a:tc>
-                  <a:txBody>
-                    <a:bodyPr/>
-                    <a:lstStyle/>
-                    <a:p>
-                      <a:pPr algn="l">
-                        <a:lnSpc>
-                          <a:spcPct val="107000"/>
-                        </a:lnSpc>
-                        <a:spcAft>
-                          <a:spcPts val="800"/>
-                        </a:spcAft>
-                      </a:pPr>
-                      <a:r>
-                        <a:rPr lang="en-GB" sz="1000">
-                          <a:solidFill>
-                            <a:srgbClr val="000000"/>
-                          </a:solidFill>
-                          <a:effectLst/>
-                          <a:latin typeface="Arial" panose="020B0604020202020204" pitchFamily="34" charset="0"/>
+                          <a:latin typeface="+mn-lt"/>
                           <a:ea typeface="Arial" panose="020B0604020202020204" pitchFamily="34" charset="0"/>
                           <a:cs typeface="Times New Roman" panose="02020603050405020304" pitchFamily="18" charset="0"/>
                         </a:rPr>
                         <a:t>Specifications and the logical system modules</a:t>
                       </a:r>
-                      <a:endParaRPr lang="en-ZA" sz="1000">
+                      <a:endParaRPr lang="en-ZA" sz="1050">
                         <a:effectLst/>
-                        <a:latin typeface="Arial" panose="020B0604020202020204" pitchFamily="34" charset="0"/>
+                        <a:latin typeface="+mn-lt"/>
                         <a:ea typeface="Arial" panose="020B0604020202020204" pitchFamily="34" charset="0"/>
                         <a:cs typeface="Times New Roman" panose="02020603050405020304" pitchFamily="18" charset="0"/>
                       </a:endParaRPr>
@@ -4836,17 +4871,30 @@
                     <a:p>
                       <a:pPr algn="l">
                         <a:lnSpc>
-                          <a:spcPct val="107000"/>
+                          <a:spcPct val="150000"/>
                         </a:lnSpc>
+                        <a:spcAft>
+                          <a:spcPts val="0"/>
+                        </a:spcAft>
                       </a:pPr>
-                      <a:endParaRPr lang="en-ZA" sz="1000">
+                      <a:r>
+                        <a:rPr lang="en-ZA" sz="1100">
+                          <a:effectLst/>
+                          <a:latin typeface="Arial"/>
+                          <a:ea typeface="Arial"/>
+                          <a:cs typeface="Times New Roman"/>
+                        </a:rPr>
+                        <a:t>04-05-2020</a:t>
+                      </a:r>
+                      <a:endParaRPr lang="en-GB" sz="1100">
                         <a:effectLst/>
-                        <a:latin typeface="Arial" panose="020B0604020202020204" pitchFamily="34" charset="0"/>
-                        <a:cs typeface="Times New Roman" panose="02020603050405020304" pitchFamily="18" charset="0"/>
+                        <a:latin typeface="Arial"/>
+                        <a:ea typeface="Arial"/>
+                        <a:cs typeface="Times New Roman"/>
                       </a:endParaRPr>
                     </a:p>
                   </a:txBody>
-                  <a:tcPr marL="59430" marR="59430" marT="8254" marB="0">
+                  <a:tcPr marL="68580" marR="68580" marT="0" marB="0">
                     <a:lnL w="12700" cap="flat" cmpd="sng" algn="ctr">
                       <a:solidFill>
                         <a:srgbClr val="FFFFFF"/>
@@ -4890,7 +4938,7 @@
                 </a:tc>
                 <a:extLst>
                   <a:ext uri="{0D108BD9-81ED-4DB2-BD59-A6C34878D82A}">
-                    <a16:rowId xmlns:a16="http://schemas.microsoft.com/office/drawing/2014/main" val="3694365686"/>
+                    <a16:rowId xmlns:a16="http://schemas.microsoft.com/office/drawing/2014/main" xmlns="" val="3694365686"/>
                   </a:ext>
                 </a:extLst>
               </a:tr>
@@ -4909,20 +4957,20 @@
                         </a:spcAft>
                       </a:pPr>
                       <a:r>
-                        <a:rPr lang="en-GB" sz="1000" b="1">
+                        <a:rPr lang="en-GB" sz="1050" b="1">
                           <a:solidFill>
                             <a:srgbClr val="000000"/>
                           </a:solidFill>
                           <a:effectLst/>
-                          <a:latin typeface="Arial" panose="020B0604020202020204" pitchFamily="34" charset="0"/>
+                          <a:latin typeface="+mn-lt"/>
                           <a:ea typeface="Arial" panose="020B0604020202020204" pitchFamily="34" charset="0"/>
                           <a:cs typeface="Times New Roman" panose="02020603050405020304" pitchFamily="18" charset="0"/>
                         </a:rPr>
                         <a:t>Decision analysis</a:t>
                       </a:r>
-                      <a:endParaRPr lang="en-ZA" sz="1000">
+                      <a:endParaRPr lang="en-ZA" sz="1050">
                         <a:effectLst/>
-                        <a:latin typeface="Arial" panose="020B0604020202020204" pitchFamily="34" charset="0"/>
+                        <a:latin typeface="+mn-lt"/>
                         <a:ea typeface="Arial" panose="020B0604020202020204" pitchFamily="34" charset="0"/>
                         <a:cs typeface="Times New Roman" panose="02020603050405020304" pitchFamily="18" charset="0"/>
                       </a:endParaRPr>
@@ -4986,20 +5034,20 @@
                         <a:buChar char=""/>
                       </a:pPr>
                       <a:r>
-                        <a:rPr lang="en-GB" sz="1000">
+                        <a:rPr lang="en-GB" sz="1050" dirty="0">
                           <a:solidFill>
                             <a:srgbClr val="000000"/>
                           </a:solidFill>
                           <a:effectLst/>
-                          <a:latin typeface="Arial" panose="020B0604020202020204" pitchFamily="34" charset="0"/>
+                          <a:latin typeface="+mn-lt"/>
                           <a:ea typeface="Arial" panose="020B0604020202020204" pitchFamily="34" charset="0"/>
                           <a:cs typeface="Times New Roman" panose="02020603050405020304" pitchFamily="18" charset="0"/>
                         </a:rPr>
                         <a:t>Document with evaluation for each candidate solution in terms of technical-, operational-, economic-, schedule- and risk- feasibility</a:t>
                       </a:r>
-                      <a:endParaRPr lang="en-ZA" sz="1000">
+                      <a:endParaRPr lang="en-ZA" sz="1050" dirty="0">
                         <a:effectLst/>
-                        <a:latin typeface="Arial" panose="020B0604020202020204" pitchFamily="34" charset="0"/>
+                        <a:latin typeface="+mn-lt"/>
                         <a:ea typeface="Arial" panose="020B0604020202020204" pitchFamily="34" charset="0"/>
                         <a:cs typeface="Times New Roman" panose="02020603050405020304" pitchFamily="18" charset="0"/>
                       </a:endParaRPr>
@@ -5016,20 +5064,20 @@
                         <a:buChar char=""/>
                       </a:pPr>
                       <a:r>
-                        <a:rPr lang="en-GB" sz="1000">
+                        <a:rPr lang="en-GB" sz="1050" dirty="0">
                           <a:solidFill>
                             <a:srgbClr val="000000"/>
                           </a:solidFill>
                           <a:effectLst/>
-                          <a:latin typeface="Arial" panose="020B0604020202020204" pitchFamily="34" charset="0"/>
+                          <a:latin typeface="+mn-lt"/>
                           <a:ea typeface="Arial" panose="020B0604020202020204" pitchFamily="34" charset="0"/>
                           <a:cs typeface="Times New Roman" panose="02020603050405020304" pitchFamily="18" charset="0"/>
                         </a:rPr>
                         <a:t>Choose best candidate solution and decide whether project must be completed</a:t>
                       </a:r>
-                      <a:endParaRPr lang="en-ZA" sz="1000">
+                      <a:endParaRPr lang="en-ZA" sz="1050" dirty="0">
                         <a:effectLst/>
-                        <a:latin typeface="Arial" panose="020B0604020202020204" pitchFamily="34" charset="0"/>
+                        <a:latin typeface="+mn-lt"/>
                         <a:ea typeface="Arial" panose="020B0604020202020204" pitchFamily="34" charset="0"/>
                         <a:cs typeface="Times New Roman" panose="02020603050405020304" pitchFamily="18" charset="0"/>
                       </a:endParaRPr>
@@ -5084,17 +5132,30 @@
                     <a:p>
                       <a:pPr algn="l">
                         <a:lnSpc>
-                          <a:spcPct val="107000"/>
+                          <a:spcPct val="150000"/>
                         </a:lnSpc>
+                        <a:spcAft>
+                          <a:spcPts val="0"/>
+                        </a:spcAft>
                       </a:pPr>
-                      <a:endParaRPr lang="en-ZA" sz="1000">
+                      <a:r>
+                        <a:rPr lang="en-ZA" sz="1100">
+                          <a:effectLst/>
+                          <a:latin typeface="Arial"/>
+                          <a:ea typeface="Arial"/>
+                          <a:cs typeface="Times New Roman"/>
+                        </a:rPr>
+                        <a:t>04-05-2020</a:t>
+                      </a:r>
+                      <a:endParaRPr lang="en-GB" sz="1100">
                         <a:effectLst/>
-                        <a:latin typeface="Arial" panose="020B0604020202020204" pitchFamily="34" charset="0"/>
-                        <a:cs typeface="Times New Roman" panose="02020603050405020304" pitchFamily="18" charset="0"/>
+                        <a:latin typeface="Arial"/>
+                        <a:ea typeface="Arial"/>
+                        <a:cs typeface="Times New Roman"/>
                       </a:endParaRPr>
                     </a:p>
                   </a:txBody>
-                  <a:tcPr marL="59430" marR="59430" marT="8254" marB="0">
+                  <a:tcPr marL="68580" marR="68580" marT="0" marB="0">
                     <a:lnL w="12700" cap="flat" cmpd="sng" algn="ctr">
                       <a:solidFill>
                         <a:srgbClr val="FFFFFF"/>
@@ -5138,7 +5199,7 @@
                 </a:tc>
                 <a:extLst>
                   <a:ext uri="{0D108BD9-81ED-4DB2-BD59-A6C34878D82A}">
-                    <a16:rowId xmlns:a16="http://schemas.microsoft.com/office/drawing/2014/main" val="3883941746"/>
+                    <a16:rowId xmlns:a16="http://schemas.microsoft.com/office/drawing/2014/main" xmlns="" val="3883941746"/>
                   </a:ext>
                 </a:extLst>
               </a:tr>
@@ -5157,20 +5218,20 @@
                         </a:spcAft>
                       </a:pPr>
                       <a:r>
-                        <a:rPr lang="en-GB" sz="1000" b="1">
+                        <a:rPr lang="en-GB" sz="1050" b="1">
                           <a:solidFill>
                             <a:srgbClr val="000000"/>
                           </a:solidFill>
                           <a:effectLst/>
-                          <a:latin typeface="Arial" panose="020B0604020202020204" pitchFamily="34" charset="0"/>
+                          <a:latin typeface="+mn-lt"/>
                           <a:ea typeface="Arial" panose="020B0604020202020204" pitchFamily="34" charset="0"/>
                           <a:cs typeface="Times New Roman" panose="02020603050405020304" pitchFamily="18" charset="0"/>
                         </a:rPr>
                         <a:t>Physical design &amp; integration</a:t>
                       </a:r>
-                      <a:endParaRPr lang="en-ZA" sz="1000">
+                      <a:endParaRPr lang="en-ZA" sz="1050">
                         <a:effectLst/>
-                        <a:latin typeface="Arial" panose="020B0604020202020204" pitchFamily="34" charset="0"/>
+                        <a:latin typeface="+mn-lt"/>
                         <a:ea typeface="Arial" panose="020B0604020202020204" pitchFamily="34" charset="0"/>
                         <a:cs typeface="Times New Roman" panose="02020603050405020304" pitchFamily="18" charset="0"/>
                       </a:endParaRPr>
@@ -5234,20 +5295,20 @@
                         <a:buChar char=""/>
                       </a:pPr>
                       <a:r>
-                        <a:rPr lang="en-GB" sz="1000">
+                        <a:rPr lang="en-GB" sz="1050">
                           <a:solidFill>
                             <a:srgbClr val="000000"/>
                           </a:solidFill>
                           <a:effectLst/>
-                          <a:latin typeface="Arial" panose="020B0604020202020204" pitchFamily="34" charset="0"/>
+                          <a:latin typeface="+mn-lt"/>
                           <a:ea typeface="Arial" panose="020B0604020202020204" pitchFamily="34" charset="0"/>
                           <a:cs typeface="Times New Roman" panose="02020603050405020304" pitchFamily="18" charset="0"/>
                         </a:rPr>
                         <a:t>Physical design models</a:t>
                       </a:r>
-                      <a:endParaRPr lang="en-ZA" sz="1000">
+                      <a:endParaRPr lang="en-ZA" sz="1050">
                         <a:effectLst/>
-                        <a:latin typeface="Arial" panose="020B0604020202020204" pitchFamily="34" charset="0"/>
+                        <a:latin typeface="+mn-lt"/>
                         <a:ea typeface="Arial" panose="020B0604020202020204" pitchFamily="34" charset="0"/>
                         <a:cs typeface="Times New Roman" panose="02020603050405020304" pitchFamily="18" charset="0"/>
                       </a:endParaRPr>
@@ -5264,20 +5325,20 @@
                         <a:buChar char=""/>
                       </a:pPr>
                       <a:r>
-                        <a:rPr lang="en-GB" sz="1000">
+                        <a:rPr lang="en-GB" sz="1050">
                           <a:solidFill>
                             <a:srgbClr val="000000"/>
                           </a:solidFill>
                           <a:effectLst/>
-                          <a:latin typeface="Arial" panose="020B0604020202020204" pitchFamily="34" charset="0"/>
+                          <a:latin typeface="+mn-lt"/>
                           <a:ea typeface="Arial" panose="020B0604020202020204" pitchFamily="34" charset="0"/>
                           <a:cs typeface="Times New Roman" panose="02020603050405020304" pitchFamily="18" charset="0"/>
                         </a:rPr>
                         <a:t>Detail specifications</a:t>
                       </a:r>
-                      <a:endParaRPr lang="en-ZA" sz="1000">
+                      <a:endParaRPr lang="en-ZA" sz="1050">
                         <a:effectLst/>
-                        <a:latin typeface="Arial" panose="020B0604020202020204" pitchFamily="34" charset="0"/>
+                        <a:latin typeface="+mn-lt"/>
                         <a:ea typeface="Arial" panose="020B0604020202020204" pitchFamily="34" charset="0"/>
                         <a:cs typeface="Times New Roman" panose="02020603050405020304" pitchFamily="18" charset="0"/>
                       </a:endParaRPr>
@@ -5294,20 +5355,20 @@
                         <a:buChar char=""/>
                       </a:pPr>
                       <a:r>
-                        <a:rPr lang="en-GB" sz="1000">
+                        <a:rPr lang="en-GB" sz="1050">
                           <a:solidFill>
                             <a:srgbClr val="000000"/>
                           </a:solidFill>
                           <a:effectLst/>
-                          <a:latin typeface="Arial" panose="020B0604020202020204" pitchFamily="34" charset="0"/>
+                          <a:latin typeface="+mn-lt"/>
                           <a:ea typeface="Arial" panose="020B0604020202020204" pitchFamily="34" charset="0"/>
                           <a:cs typeface="Times New Roman" panose="02020603050405020304" pitchFamily="18" charset="0"/>
                         </a:rPr>
                         <a:t>Prototypes</a:t>
                       </a:r>
-                      <a:endParaRPr lang="en-ZA" sz="1000">
+                      <a:endParaRPr lang="en-ZA" sz="1050">
                         <a:effectLst/>
-                        <a:latin typeface="Arial" panose="020B0604020202020204" pitchFamily="34" charset="0"/>
+                        <a:latin typeface="+mn-lt"/>
                         <a:ea typeface="Arial" panose="020B0604020202020204" pitchFamily="34" charset="0"/>
                         <a:cs typeface="Times New Roman" panose="02020603050405020304" pitchFamily="18" charset="0"/>
                       </a:endParaRPr>
@@ -5324,20 +5385,20 @@
                         <a:buChar char=""/>
                       </a:pPr>
                       <a:r>
-                        <a:rPr lang="en-GB" sz="1000">
+                        <a:rPr lang="en-GB" sz="1050">
                           <a:solidFill>
                             <a:srgbClr val="000000"/>
                           </a:solidFill>
                           <a:effectLst/>
-                          <a:latin typeface="Arial" panose="020B0604020202020204" pitchFamily="34" charset="0"/>
+                          <a:latin typeface="+mn-lt"/>
                           <a:ea typeface="Arial" panose="020B0604020202020204" pitchFamily="34" charset="0"/>
                           <a:cs typeface="Times New Roman" panose="02020603050405020304" pitchFamily="18" charset="0"/>
                         </a:rPr>
                         <a:t>Redesigned business processes</a:t>
                       </a:r>
-                      <a:endParaRPr lang="en-ZA" sz="1000">
+                      <a:endParaRPr lang="en-ZA" sz="1050">
                         <a:effectLst/>
-                        <a:latin typeface="Arial" panose="020B0604020202020204" pitchFamily="34" charset="0"/>
+                        <a:latin typeface="+mn-lt"/>
                         <a:ea typeface="Arial" panose="020B0604020202020204" pitchFamily="34" charset="0"/>
                         <a:cs typeface="Times New Roman" panose="02020603050405020304" pitchFamily="18" charset="0"/>
                       </a:endParaRPr>
@@ -5392,17 +5453,30 @@
                     <a:p>
                       <a:pPr algn="l">
                         <a:lnSpc>
-                          <a:spcPct val="107000"/>
+                          <a:spcPct val="150000"/>
                         </a:lnSpc>
+                        <a:spcAft>
+                          <a:spcPts val="0"/>
+                        </a:spcAft>
                       </a:pPr>
-                      <a:endParaRPr lang="en-ZA" sz="1000">
+                      <a:r>
+                        <a:rPr lang="en-ZA" sz="1100" dirty="0">
+                          <a:effectLst/>
+                          <a:latin typeface="Arial"/>
+                          <a:ea typeface="Arial"/>
+                          <a:cs typeface="Times New Roman"/>
+                        </a:rPr>
+                        <a:t>07-08-2020</a:t>
+                      </a:r>
+                      <a:endParaRPr lang="en-GB" sz="1100" dirty="0">
                         <a:effectLst/>
-                        <a:latin typeface="Arial" panose="020B0604020202020204" pitchFamily="34" charset="0"/>
-                        <a:cs typeface="Times New Roman" panose="02020603050405020304" pitchFamily="18" charset="0"/>
+                        <a:latin typeface="Arial"/>
+                        <a:ea typeface="Arial"/>
+                        <a:cs typeface="Times New Roman"/>
                       </a:endParaRPr>
                     </a:p>
                   </a:txBody>
-                  <a:tcPr marL="59430" marR="59430" marT="8254" marB="0">
+                  <a:tcPr marL="68580" marR="68580" marT="0" marB="0">
                     <a:lnL w="12700" cap="flat" cmpd="sng" algn="ctr">
                       <a:solidFill>
                         <a:srgbClr val="FFFFFF"/>
@@ -5446,7 +5520,7 @@
                 </a:tc>
                 <a:extLst>
                   <a:ext uri="{0D108BD9-81ED-4DB2-BD59-A6C34878D82A}">
-                    <a16:rowId xmlns:a16="http://schemas.microsoft.com/office/drawing/2014/main" val="1845913821"/>
+                    <a16:rowId xmlns:a16="http://schemas.microsoft.com/office/drawing/2014/main" xmlns="" val="1845913821"/>
                   </a:ext>
                 </a:extLst>
               </a:tr>
@@ -5465,20 +5539,20 @@
                         </a:spcAft>
                       </a:pPr>
                       <a:r>
-                        <a:rPr lang="en-GB" sz="1000" b="1">
+                        <a:rPr lang="en-GB" sz="1050" b="1">
                           <a:solidFill>
                             <a:srgbClr val="000000"/>
                           </a:solidFill>
                           <a:effectLst/>
-                          <a:latin typeface="Arial" panose="020B0604020202020204" pitchFamily="34" charset="0"/>
+                          <a:latin typeface="+mn-lt"/>
                           <a:ea typeface="Arial" panose="020B0604020202020204" pitchFamily="34" charset="0"/>
                           <a:cs typeface="Times New Roman" panose="02020603050405020304" pitchFamily="18" charset="0"/>
                         </a:rPr>
                         <a:t>Construction &amp; testing</a:t>
                       </a:r>
-                      <a:endParaRPr lang="en-ZA" sz="1000">
+                      <a:endParaRPr lang="en-ZA" sz="1050">
                         <a:effectLst/>
-                        <a:latin typeface="Arial" panose="020B0604020202020204" pitchFamily="34" charset="0"/>
+                        <a:latin typeface="+mn-lt"/>
                         <a:ea typeface="Arial" panose="020B0604020202020204" pitchFamily="34" charset="0"/>
                         <a:cs typeface="Times New Roman" panose="02020603050405020304" pitchFamily="18" charset="0"/>
                       </a:endParaRPr>
@@ -5542,20 +5616,20 @@
                         <a:buChar char=""/>
                       </a:pPr>
                       <a:r>
-                        <a:rPr lang="en-GB" sz="1000">
+                        <a:rPr lang="en-GB" sz="1050">
                           <a:solidFill>
                             <a:srgbClr val="000000"/>
                           </a:solidFill>
                           <a:effectLst/>
-                          <a:latin typeface="Arial" panose="020B0604020202020204" pitchFamily="34" charset="0"/>
+                          <a:latin typeface="+mn-lt"/>
                           <a:ea typeface="Arial" panose="020B0604020202020204" pitchFamily="34" charset="0"/>
                           <a:cs typeface="Times New Roman" panose="02020603050405020304" pitchFamily="18" charset="0"/>
                         </a:rPr>
                         <a:t>Database</a:t>
                       </a:r>
-                      <a:endParaRPr lang="en-ZA" sz="1000">
+                      <a:endParaRPr lang="en-ZA" sz="1050">
                         <a:effectLst/>
-                        <a:latin typeface="Arial" panose="020B0604020202020204" pitchFamily="34" charset="0"/>
+                        <a:latin typeface="+mn-lt"/>
                         <a:ea typeface="Arial" panose="020B0604020202020204" pitchFamily="34" charset="0"/>
                         <a:cs typeface="Times New Roman" panose="02020603050405020304" pitchFamily="18" charset="0"/>
                       </a:endParaRPr>
@@ -5572,20 +5646,20 @@
                         <a:buChar char=""/>
                       </a:pPr>
                       <a:r>
-                        <a:rPr lang="en-GB" sz="1000">
+                        <a:rPr lang="en-GB" sz="1050">
                           <a:solidFill>
                             <a:srgbClr val="000000"/>
                           </a:solidFill>
                           <a:effectLst/>
-                          <a:latin typeface="Arial" panose="020B0604020202020204" pitchFamily="34" charset="0"/>
+                          <a:latin typeface="+mn-lt"/>
                           <a:ea typeface="Arial" panose="020B0604020202020204" pitchFamily="34" charset="0"/>
                           <a:cs typeface="Times New Roman" panose="02020603050405020304" pitchFamily="18" charset="0"/>
                         </a:rPr>
                         <a:t>Custom-built software</a:t>
                       </a:r>
-                      <a:endParaRPr lang="en-ZA" sz="1000">
+                      <a:endParaRPr lang="en-ZA" sz="1050">
                         <a:effectLst/>
-                        <a:latin typeface="Arial" panose="020B0604020202020204" pitchFamily="34" charset="0"/>
+                        <a:latin typeface="+mn-lt"/>
                         <a:ea typeface="Arial" panose="020B0604020202020204" pitchFamily="34" charset="0"/>
                         <a:cs typeface="Times New Roman" panose="02020603050405020304" pitchFamily="18" charset="0"/>
                       </a:endParaRPr>
@@ -5602,20 +5676,20 @@
                         <a:buChar char=""/>
                       </a:pPr>
                       <a:r>
-                        <a:rPr lang="en-GB" sz="1000">
+                        <a:rPr lang="en-GB" sz="1050">
                           <a:solidFill>
                             <a:srgbClr val="000000"/>
                           </a:solidFill>
                           <a:effectLst/>
-                          <a:latin typeface="Arial" panose="020B0604020202020204" pitchFamily="34" charset="0"/>
+                          <a:latin typeface="+mn-lt"/>
                           <a:ea typeface="Arial" panose="020B0604020202020204" pitchFamily="34" charset="0"/>
                           <a:cs typeface="Times New Roman" panose="02020603050405020304" pitchFamily="18" charset="0"/>
                         </a:rPr>
                         <a:t>User Interfaces (Windows or Web)</a:t>
                       </a:r>
-                      <a:endParaRPr lang="en-ZA" sz="1000">
+                      <a:endParaRPr lang="en-ZA" sz="1050">
                         <a:effectLst/>
-                        <a:latin typeface="Arial" panose="020B0604020202020204" pitchFamily="34" charset="0"/>
+                        <a:latin typeface="+mn-lt"/>
                         <a:ea typeface="Arial" panose="020B0604020202020204" pitchFamily="34" charset="0"/>
                         <a:cs typeface="Times New Roman" panose="02020603050405020304" pitchFamily="18" charset="0"/>
                       </a:endParaRPr>
@@ -5632,20 +5706,20 @@
                         <a:buChar char=""/>
                       </a:pPr>
                       <a:r>
-                        <a:rPr lang="en-GB" sz="1000">
+                        <a:rPr lang="en-GB" sz="1050">
                           <a:solidFill>
                             <a:srgbClr val="000000"/>
                           </a:solidFill>
                           <a:effectLst/>
-                          <a:latin typeface="Arial" panose="020B0604020202020204" pitchFamily="34" charset="0"/>
+                          <a:latin typeface="+mn-lt"/>
                           <a:ea typeface="Arial" panose="020B0604020202020204" pitchFamily="34" charset="0"/>
                           <a:cs typeface="Times New Roman" panose="02020603050405020304" pitchFamily="18" charset="0"/>
                         </a:rPr>
                         <a:t>Test plan</a:t>
                       </a:r>
-                      <a:endParaRPr lang="en-ZA" sz="1000">
+                      <a:endParaRPr lang="en-ZA" sz="1050">
                         <a:effectLst/>
-                        <a:latin typeface="Arial" panose="020B0604020202020204" pitchFamily="34" charset="0"/>
+                        <a:latin typeface="+mn-lt"/>
                         <a:ea typeface="Arial" panose="020B0604020202020204" pitchFamily="34" charset="0"/>
                         <a:cs typeface="Times New Roman" panose="02020603050405020304" pitchFamily="18" charset="0"/>
                       </a:endParaRPr>
@@ -5700,17 +5774,30 @@
                     <a:p>
                       <a:pPr algn="l">
                         <a:lnSpc>
-                          <a:spcPct val="107000"/>
+                          <a:spcPct val="150000"/>
                         </a:lnSpc>
+                        <a:spcAft>
+                          <a:spcPts val="0"/>
+                        </a:spcAft>
                       </a:pPr>
-                      <a:endParaRPr lang="en-ZA" sz="1000">
+                      <a:r>
+                        <a:rPr lang="en-ZA" sz="1100">
+                          <a:effectLst/>
+                          <a:latin typeface="Arial"/>
+                          <a:ea typeface="Arial"/>
+                          <a:cs typeface="Times New Roman"/>
+                        </a:rPr>
+                        <a:t>04-09-2020</a:t>
+                      </a:r>
+                      <a:endParaRPr lang="en-GB" sz="1100">
                         <a:effectLst/>
-                        <a:latin typeface="Arial" panose="020B0604020202020204" pitchFamily="34" charset="0"/>
-                        <a:cs typeface="Times New Roman" panose="02020603050405020304" pitchFamily="18" charset="0"/>
+                        <a:latin typeface="Arial"/>
+                        <a:ea typeface="Arial"/>
+                        <a:cs typeface="Times New Roman"/>
                       </a:endParaRPr>
                     </a:p>
                   </a:txBody>
-                  <a:tcPr marL="59430" marR="59430" marT="8254" marB="0">
+                  <a:tcPr marL="68580" marR="68580" marT="0" marB="0">
                     <a:lnL w="12700" cap="flat" cmpd="sng" algn="ctr">
                       <a:solidFill>
                         <a:srgbClr val="FFFFFF"/>
@@ -5754,7 +5841,7 @@
                 </a:tc>
                 <a:extLst>
                   <a:ext uri="{0D108BD9-81ED-4DB2-BD59-A6C34878D82A}">
-                    <a16:rowId xmlns:a16="http://schemas.microsoft.com/office/drawing/2014/main" val="2861595659"/>
+                    <a16:rowId xmlns:a16="http://schemas.microsoft.com/office/drawing/2014/main" xmlns="" val="2861595659"/>
                   </a:ext>
                 </a:extLst>
               </a:tr>
@@ -5773,20 +5860,20 @@
                         </a:spcAft>
                       </a:pPr>
                       <a:r>
-                        <a:rPr lang="en-GB" sz="1000" b="1">
+                        <a:rPr lang="en-GB" sz="1050" b="1">
                           <a:solidFill>
                             <a:srgbClr val="000000"/>
                           </a:solidFill>
                           <a:effectLst/>
-                          <a:latin typeface="Arial" panose="020B0604020202020204" pitchFamily="34" charset="0"/>
+                          <a:latin typeface="+mn-lt"/>
                           <a:ea typeface="Arial" panose="020B0604020202020204" pitchFamily="34" charset="0"/>
                           <a:cs typeface="Times New Roman" panose="02020603050405020304" pitchFamily="18" charset="0"/>
                         </a:rPr>
                         <a:t>Installation</a:t>
                       </a:r>
-                      <a:endParaRPr lang="en-ZA" sz="1000">
+                      <a:endParaRPr lang="en-ZA" sz="1050">
                         <a:effectLst/>
-                        <a:latin typeface="Arial" panose="020B0604020202020204" pitchFamily="34" charset="0"/>
+                        <a:latin typeface="+mn-lt"/>
                         <a:ea typeface="Arial" panose="020B0604020202020204" pitchFamily="34" charset="0"/>
                         <a:cs typeface="Times New Roman" panose="02020603050405020304" pitchFamily="18" charset="0"/>
                       </a:endParaRPr>
@@ -5850,20 +5937,20 @@
                         <a:buChar char=""/>
                       </a:pPr>
                       <a:r>
-                        <a:rPr lang="en-GB" sz="1000">
+                        <a:rPr lang="en-GB" sz="1050">
                           <a:solidFill>
                             <a:srgbClr val="000000"/>
                           </a:solidFill>
                           <a:effectLst/>
-                          <a:latin typeface="Arial" panose="020B0604020202020204" pitchFamily="34" charset="0"/>
+                          <a:latin typeface="+mn-lt"/>
                           <a:ea typeface="Arial" panose="020B0604020202020204" pitchFamily="34" charset="0"/>
                           <a:cs typeface="Times New Roman" panose="02020603050405020304" pitchFamily="18" charset="0"/>
                         </a:rPr>
                         <a:t>An operational system</a:t>
                       </a:r>
-                      <a:endParaRPr lang="en-ZA" sz="1000">
+                      <a:endParaRPr lang="en-ZA" sz="1050">
                         <a:effectLst/>
-                        <a:latin typeface="Arial" panose="020B0604020202020204" pitchFamily="34" charset="0"/>
+                        <a:latin typeface="+mn-lt"/>
                         <a:ea typeface="Arial" panose="020B0604020202020204" pitchFamily="34" charset="0"/>
                         <a:cs typeface="Times New Roman" panose="02020603050405020304" pitchFamily="18" charset="0"/>
                       </a:endParaRPr>
@@ -5880,20 +5967,20 @@
                         <a:buChar char=""/>
                       </a:pPr>
                       <a:r>
-                        <a:rPr lang="en-GB" sz="1000">
+                        <a:rPr lang="en-GB" sz="1050">
                           <a:solidFill>
                             <a:srgbClr val="000000"/>
                           </a:solidFill>
                           <a:effectLst/>
-                          <a:latin typeface="Arial" panose="020B0604020202020204" pitchFamily="34" charset="0"/>
+                          <a:latin typeface="+mn-lt"/>
                           <a:ea typeface="Arial" panose="020B0604020202020204" pitchFamily="34" charset="0"/>
                           <a:cs typeface="Times New Roman" panose="02020603050405020304" pitchFamily="18" charset="0"/>
                         </a:rPr>
                         <a:t>Operation manual</a:t>
                       </a:r>
-                      <a:endParaRPr lang="en-ZA" sz="1000">
+                      <a:endParaRPr lang="en-ZA" sz="1050">
                         <a:effectLst/>
-                        <a:latin typeface="Arial" panose="020B0604020202020204" pitchFamily="34" charset="0"/>
+                        <a:latin typeface="+mn-lt"/>
                         <a:ea typeface="Arial" panose="020B0604020202020204" pitchFamily="34" charset="0"/>
                         <a:cs typeface="Times New Roman" panose="02020603050405020304" pitchFamily="18" charset="0"/>
                       </a:endParaRPr>
@@ -5910,20 +5997,20 @@
                         <a:buChar char=""/>
                       </a:pPr>
                       <a:r>
-                        <a:rPr lang="en-GB" sz="1000">
+                        <a:rPr lang="en-GB" sz="1050">
                           <a:solidFill>
                             <a:srgbClr val="000000"/>
                           </a:solidFill>
                           <a:effectLst/>
-                          <a:latin typeface="Arial" panose="020B0604020202020204" pitchFamily="34" charset="0"/>
+                          <a:latin typeface="+mn-lt"/>
                           <a:ea typeface="Arial" panose="020B0604020202020204" pitchFamily="34" charset="0"/>
                           <a:cs typeface="Times New Roman" panose="02020603050405020304" pitchFamily="18" charset="0"/>
                         </a:rPr>
                         <a:t>Documented quality review</a:t>
                       </a:r>
-                      <a:endParaRPr lang="en-ZA" sz="1000">
+                      <a:endParaRPr lang="en-ZA" sz="1050">
                         <a:effectLst/>
-                        <a:latin typeface="Arial" panose="020B0604020202020204" pitchFamily="34" charset="0"/>
+                        <a:latin typeface="+mn-lt"/>
                         <a:ea typeface="Arial" panose="020B0604020202020204" pitchFamily="34" charset="0"/>
                         <a:cs typeface="Times New Roman" panose="02020603050405020304" pitchFamily="18" charset="0"/>
                       </a:endParaRPr>
@@ -5940,20 +6027,20 @@
                         <a:buChar char=""/>
                       </a:pPr>
                       <a:r>
-                        <a:rPr lang="en-GB" sz="1000">
+                        <a:rPr lang="en-GB" sz="1050">
                           <a:solidFill>
                             <a:srgbClr val="000000"/>
                           </a:solidFill>
                           <a:effectLst/>
-                          <a:latin typeface="Arial" panose="020B0604020202020204" pitchFamily="34" charset="0"/>
+                          <a:latin typeface="+mn-lt"/>
                           <a:ea typeface="Arial" panose="020B0604020202020204" pitchFamily="34" charset="0"/>
                           <a:cs typeface="Times New Roman" panose="02020603050405020304" pitchFamily="18" charset="0"/>
                         </a:rPr>
                         <a:t>Updated logical and physical system models</a:t>
                       </a:r>
-                      <a:endParaRPr lang="en-ZA" sz="1000">
+                      <a:endParaRPr lang="en-ZA" sz="1050">
                         <a:effectLst/>
-                        <a:latin typeface="Arial" panose="020B0604020202020204" pitchFamily="34" charset="0"/>
+                        <a:latin typeface="+mn-lt"/>
                         <a:ea typeface="Arial" panose="020B0604020202020204" pitchFamily="34" charset="0"/>
                         <a:cs typeface="Times New Roman" panose="02020603050405020304" pitchFamily="18" charset="0"/>
                       </a:endParaRPr>
@@ -6008,17 +6095,30 @@
                     <a:p>
                       <a:pPr algn="l">
                         <a:lnSpc>
-                          <a:spcPct val="107000"/>
+                          <a:spcPct val="150000"/>
                         </a:lnSpc>
+                        <a:spcAft>
+                          <a:spcPts val="0"/>
+                        </a:spcAft>
                       </a:pPr>
-                      <a:endParaRPr lang="en-ZA" sz="1000" dirty="0">
+                      <a:r>
+                        <a:rPr lang="en-ZA" sz="1100" dirty="0">
+                          <a:effectLst/>
+                          <a:latin typeface="Arial"/>
+                          <a:ea typeface="Arial"/>
+                          <a:cs typeface="Times New Roman"/>
+                        </a:rPr>
+                        <a:t>02-10-2020</a:t>
+                      </a:r>
+                      <a:endParaRPr lang="en-GB" sz="1100" dirty="0">
                         <a:effectLst/>
-                        <a:latin typeface="Arial" panose="020B0604020202020204" pitchFamily="34" charset="0"/>
-                        <a:cs typeface="Times New Roman" panose="02020603050405020304" pitchFamily="18" charset="0"/>
+                        <a:latin typeface="Arial"/>
+                        <a:ea typeface="Arial"/>
+                        <a:cs typeface="Times New Roman"/>
                       </a:endParaRPr>
                     </a:p>
                   </a:txBody>
-                  <a:tcPr marL="59430" marR="59430" marT="8254" marB="0">
+                  <a:tcPr marL="68580" marR="68580" marT="0" marB="0">
                     <a:lnL w="12700" cap="flat" cmpd="sng" algn="ctr">
                       <a:solidFill>
                         <a:srgbClr val="FFFFFF"/>
@@ -6062,7 +6162,7 @@
                 </a:tc>
                 <a:extLst>
                   <a:ext uri="{0D108BD9-81ED-4DB2-BD59-A6C34878D82A}">
-                    <a16:rowId xmlns:a16="http://schemas.microsoft.com/office/drawing/2014/main" val="3358859721"/>
+                    <a16:rowId xmlns:a16="http://schemas.microsoft.com/office/drawing/2014/main" xmlns="" val="3358859721"/>
                   </a:ext>
                 </a:extLst>
               </a:tr>
@@ -6080,6 +6180,13 @@
   <p:clrMapOvr>
     <a:masterClrMapping/>
   </p:clrMapOvr>
+  <p:timing>
+    <p:tnLst>
+      <p:par>
+        <p:cTn id="1" dur="indefinite" restart="never" nodeType="tmRoot"/>
+      </p:par>
+    </p:tnLst>
+  </p:timing>
 </p:sld>
 </file>
 
@@ -6105,7 +6212,7 @@
           <p:cNvPr id="2" name="Title 1">
             <a:extLst>
               <a:ext uri="{FF2B5EF4-FFF2-40B4-BE49-F238E27FC236}">
-                <a16:creationId xmlns:a16="http://schemas.microsoft.com/office/drawing/2014/main" id="{0840E2F2-B566-494F-901B-6C4158825405}"/>
+                <a16:creationId xmlns:a16="http://schemas.microsoft.com/office/drawing/2014/main" xmlns="" id="{0840E2F2-B566-494F-901B-6C4158825405}"/>
               </a:ext>
             </a:extLst>
           </p:cNvPr>
@@ -6133,7 +6240,7 @@
           <p:cNvPr id="3" name="Content Placeholder 2">
             <a:extLst>
               <a:ext uri="{FF2B5EF4-FFF2-40B4-BE49-F238E27FC236}">
-                <a16:creationId xmlns:a16="http://schemas.microsoft.com/office/drawing/2014/main" id="{0866284E-D21F-4B66-9988-36D41ACAFCA4}"/>
+                <a16:creationId xmlns:a16="http://schemas.microsoft.com/office/drawing/2014/main" xmlns="" id="{0866284E-D21F-4B66-9988-36D41ACAFCA4}"/>
               </a:ext>
             </a:extLst>
           </p:cNvPr>
@@ -6147,7 +6254,7 @@
         <p:spPr/>
         <p:txBody>
           <a:bodyPr>
-            <a:normAutofit fontScale="62500" lnSpcReduction="20000"/>
+            <a:normAutofit fontScale="25000" lnSpcReduction="20000"/>
           </a:bodyPr>
           <a:lstStyle/>
           <a:p>
@@ -6155,17 +6262,17 @@
               <a:buNone/>
             </a:pPr>
             <a:r>
-              <a:rPr lang="en-ZA" b="1" dirty="0"/>
+              <a:rPr lang="en-ZA" sz="7200" b="1" dirty="0"/>
               <a:t>Man-hour cost:</a:t>
             </a:r>
-            <a:endParaRPr lang="en-ZA" dirty="0"/>
+            <a:endParaRPr lang="en-ZA" sz="7200" dirty="0"/>
           </a:p>
           <a:p>
             <a:pPr marL="0" indent="0">
               <a:buNone/>
             </a:pPr>
             <a:r>
-              <a:rPr lang="en-ZA" dirty="0"/>
+              <a:rPr lang="en-ZA" sz="6400" dirty="0"/>
               <a:t>Cost from Scope definition till Decision analysis</a:t>
             </a:r>
           </a:p>
@@ -6174,7 +6281,7 @@
               <a:buNone/>
             </a:pPr>
             <a:r>
-              <a:rPr lang="en-ZA" dirty="0"/>
+              <a:rPr lang="en-ZA" sz="6400" dirty="0"/>
               <a:t>= 5 people working 5 hours a week and working for 8 weeks @ R450/h</a:t>
             </a:r>
           </a:p>
@@ -6183,7 +6290,7 @@
               <a:buNone/>
             </a:pPr>
             <a:r>
-              <a:rPr lang="en-ZA" dirty="0"/>
+              <a:rPr lang="en-ZA" sz="6400" dirty="0"/>
               <a:t>		= 5 x 5 x 8 x 450</a:t>
             </a:r>
           </a:p>
@@ -6192,27 +6299,27 @@
               <a:buNone/>
             </a:pPr>
             <a:r>
-              <a:rPr lang="en-ZA" b="1" dirty="0"/>
+              <a:rPr lang="en-ZA" sz="6400" b="1" dirty="0"/>
               <a:t>		= R 90 000</a:t>
             </a:r>
-            <a:endParaRPr lang="en-ZA" dirty="0"/>
+            <a:endParaRPr lang="en-ZA" sz="6400" dirty="0"/>
           </a:p>
           <a:p>
             <a:pPr marL="0" indent="0">
               <a:buNone/>
             </a:pPr>
             <a:r>
-              <a:rPr lang="en-ZA" b="1" dirty="0"/>
+              <a:rPr lang="en-ZA" sz="6400" b="1" dirty="0"/>
               <a:t> </a:t>
             </a:r>
-            <a:endParaRPr lang="en-ZA" dirty="0"/>
+            <a:endParaRPr lang="en-ZA" sz="6400" dirty="0"/>
           </a:p>
           <a:p>
             <a:pPr marL="0" indent="0">
               <a:buNone/>
             </a:pPr>
             <a:r>
-              <a:rPr lang="en-ZA" dirty="0"/>
+              <a:rPr lang="en-ZA" sz="6400" dirty="0"/>
               <a:t>Cost from Physical design and integration	</a:t>
             </a:r>
           </a:p>
@@ -6221,7 +6328,7 @@
               <a:buNone/>
             </a:pPr>
             <a:r>
-              <a:rPr lang="en-ZA" dirty="0"/>
+              <a:rPr lang="en-ZA" sz="6400" dirty="0"/>
               <a:t>= 5 people working 10 hours a week and working for 8 weeks @ R450/h</a:t>
             </a:r>
           </a:p>
@@ -6230,7 +6337,7 @@
               <a:buNone/>
             </a:pPr>
             <a:r>
-              <a:rPr lang="en-ZA" dirty="0"/>
+              <a:rPr lang="en-ZA" sz="6400" dirty="0"/>
               <a:t>		= 5 x 10 x 8 x 450</a:t>
             </a:r>
           </a:p>
@@ -6239,10 +6346,10 @@
               <a:buNone/>
             </a:pPr>
             <a:r>
-              <a:rPr lang="en-ZA" b="1" dirty="0"/>
+              <a:rPr lang="en-ZA" sz="6400" b="1" dirty="0"/>
               <a:t>		= R 180 000</a:t>
             </a:r>
-            <a:endParaRPr lang="en-ZA" dirty="0"/>
+            <a:endParaRPr lang="en-ZA" sz="6400" dirty="0"/>
           </a:p>
           <a:p>
             <a:r>
@@ -6265,6 +6372,13 @@
   <p:clrMapOvr>
     <a:masterClrMapping/>
   </p:clrMapOvr>
+  <p:timing>
+    <p:tnLst>
+      <p:par>
+        <p:cTn id="1" dur="indefinite" restart="never" nodeType="tmRoot"/>
+      </p:par>
+    </p:tnLst>
+  </p:timing>
 </p:sld>
 </file>
 
@@ -6290,7 +6404,7 @@
           <p:cNvPr id="2" name="Title 1">
             <a:extLst>
               <a:ext uri="{FF2B5EF4-FFF2-40B4-BE49-F238E27FC236}">
-                <a16:creationId xmlns:a16="http://schemas.microsoft.com/office/drawing/2014/main" id="{8024E2C2-1D47-4EC9-8567-0015F31A6D7E}"/>
+                <a16:creationId xmlns:a16="http://schemas.microsoft.com/office/drawing/2014/main" xmlns="" id="{8024E2C2-1D47-4EC9-8567-0015F31A6D7E}"/>
               </a:ext>
             </a:extLst>
           </p:cNvPr>
@@ -6318,7 +6432,7 @@
           <p:cNvPr id="3" name="Content Placeholder 2">
             <a:extLst>
               <a:ext uri="{FF2B5EF4-FFF2-40B4-BE49-F238E27FC236}">
-                <a16:creationId xmlns:a16="http://schemas.microsoft.com/office/drawing/2014/main" id="{22FE9083-E62F-47F1-BC01-69904F805435}"/>
+                <a16:creationId xmlns:a16="http://schemas.microsoft.com/office/drawing/2014/main" xmlns="" id="{22FE9083-E62F-47F1-BC01-69904F805435}"/>
               </a:ext>
             </a:extLst>
           </p:cNvPr>
@@ -6424,6 +6538,13 @@
   <p:clrMapOvr>
     <a:masterClrMapping/>
   </p:clrMapOvr>
+  <p:timing>
+    <p:tnLst>
+      <p:par>
+        <p:cTn id="1" dur="indefinite" restart="never" nodeType="tmRoot"/>
+      </p:par>
+    </p:tnLst>
+  </p:timing>
 </p:sld>
 </file>
 
@@ -6449,7 +6570,7 @@
           <p:cNvPr id="2" name="Title 1">
             <a:extLst>
               <a:ext uri="{FF2B5EF4-FFF2-40B4-BE49-F238E27FC236}">
-                <a16:creationId xmlns:a16="http://schemas.microsoft.com/office/drawing/2014/main" id="{80128E78-BD95-4BDF-B18A-F008AF409972}"/>
+                <a16:creationId xmlns:a16="http://schemas.microsoft.com/office/drawing/2014/main" xmlns="" id="{80128E78-BD95-4BDF-B18A-F008AF409972}"/>
               </a:ext>
             </a:extLst>
           </p:cNvPr>
@@ -6477,7 +6598,7 @@
           <p:cNvPr id="3" name="Content Placeholder 2">
             <a:extLst>
               <a:ext uri="{FF2B5EF4-FFF2-40B4-BE49-F238E27FC236}">
-                <a16:creationId xmlns:a16="http://schemas.microsoft.com/office/drawing/2014/main" id="{4C318363-4781-465B-A1A7-C85F2C03F004}"/>
+                <a16:creationId xmlns:a16="http://schemas.microsoft.com/office/drawing/2014/main" xmlns="" id="{4C318363-4781-465B-A1A7-C85F2C03F004}"/>
               </a:ext>
             </a:extLst>
           </p:cNvPr>
@@ -6609,7 +6730,7 @@
           <p:cNvPr id="2" name="Title 1">
             <a:extLst>
               <a:ext uri="{FF2B5EF4-FFF2-40B4-BE49-F238E27FC236}">
-                <a16:creationId xmlns:a16="http://schemas.microsoft.com/office/drawing/2014/main" id="{00244D55-72E5-4F59-BC5D-D6C758D24D38}"/>
+                <a16:creationId xmlns:a16="http://schemas.microsoft.com/office/drawing/2014/main" xmlns="" id="{00244D55-72E5-4F59-BC5D-D6C758D24D38}"/>
               </a:ext>
             </a:extLst>
           </p:cNvPr>
@@ -6637,7 +6758,7 @@
           <p:cNvPr id="3" name="Content Placeholder 2">
             <a:extLst>
               <a:ext uri="{FF2B5EF4-FFF2-40B4-BE49-F238E27FC236}">
-                <a16:creationId xmlns:a16="http://schemas.microsoft.com/office/drawing/2014/main" id="{8332786D-08D6-4DBE-ACAC-682319B978B7}"/>
+                <a16:creationId xmlns:a16="http://schemas.microsoft.com/office/drawing/2014/main" xmlns="" id="{8332786D-08D6-4DBE-ACAC-682319B978B7}"/>
               </a:ext>
             </a:extLst>
           </p:cNvPr>
@@ -6745,7 +6866,7 @@
           <p:cNvPr id="2" name="Title 1">
             <a:extLst>
               <a:ext uri="{FF2B5EF4-FFF2-40B4-BE49-F238E27FC236}">
-                <a16:creationId xmlns:a16="http://schemas.microsoft.com/office/drawing/2014/main" id="{2577064A-519E-43C7-A63D-03845C5F5F94}"/>
+                <a16:creationId xmlns:a16="http://schemas.microsoft.com/office/drawing/2014/main" xmlns="" id="{2577064A-519E-43C7-A63D-03845C5F5F94}"/>
               </a:ext>
             </a:extLst>
           </p:cNvPr>
@@ -6773,7 +6894,7 @@
           <p:cNvPr id="3" name="Content Placeholder 2">
             <a:extLst>
               <a:ext uri="{FF2B5EF4-FFF2-40B4-BE49-F238E27FC236}">
-                <a16:creationId xmlns:a16="http://schemas.microsoft.com/office/drawing/2014/main" id="{265E8C6A-4690-4626-872D-8F55E3F06049}"/>
+                <a16:creationId xmlns:a16="http://schemas.microsoft.com/office/drawing/2014/main" xmlns="" id="{265E8C6A-4690-4626-872D-8F55E3F06049}"/>
               </a:ext>
             </a:extLst>
           </p:cNvPr>
@@ -6898,6 +7019,13 @@
   <p:clrMapOvr>
     <a:masterClrMapping/>
   </p:clrMapOvr>
+  <p:timing>
+    <p:tnLst>
+      <p:par>
+        <p:cTn id="1" dur="indefinite" restart="never" nodeType="tmRoot"/>
+      </p:par>
+    </p:tnLst>
+  </p:timing>
 </p:sld>
 </file>
 
@@ -6923,7 +7051,7 @@
           <p:cNvPr id="2" name="Title 1">
             <a:extLst>
               <a:ext uri="{FF2B5EF4-FFF2-40B4-BE49-F238E27FC236}">
-                <a16:creationId xmlns:a16="http://schemas.microsoft.com/office/drawing/2014/main" id="{5DA7DDB7-0FB1-4BED-8E09-DDA6D03EF94A}"/>
+                <a16:creationId xmlns:a16="http://schemas.microsoft.com/office/drawing/2014/main" xmlns="" id="{5DA7DDB7-0FB1-4BED-8E09-DDA6D03EF94A}"/>
               </a:ext>
             </a:extLst>
           </p:cNvPr>
@@ -6951,7 +7079,7 @@
           <p:cNvPr id="3" name="Content Placeholder 2">
             <a:extLst>
               <a:ext uri="{FF2B5EF4-FFF2-40B4-BE49-F238E27FC236}">
-                <a16:creationId xmlns:a16="http://schemas.microsoft.com/office/drawing/2014/main" id="{678012E9-7170-4150-BB43-E2C82F90615A}"/>
+                <a16:creationId xmlns:a16="http://schemas.microsoft.com/office/drawing/2014/main" xmlns="" id="{678012E9-7170-4150-BB43-E2C82F90615A}"/>
               </a:ext>
             </a:extLst>
           </p:cNvPr>
@@ -6976,11 +7104,23 @@
             </a:r>
             <a:r>
               <a:rPr lang="en-ZA" i="1" dirty="0"/>
-              <a:t>TAKE ONE</a:t>
-            </a:r>
-            <a:r>
-              <a:rPr lang="en-ZA" dirty="0"/>
-              <a:t> is a new up and coming movie theatre in a residential area of South Africa. The movie theatre will show recently released </a:t>
+              <a:t>TAKE </a:t>
+            </a:r>
+            <a:r>
+              <a:rPr lang="en-ZA" i="1" dirty="0" smtClean="0"/>
+              <a:t>ONE </a:t>
+            </a:r>
+            <a:r>
+              <a:rPr lang="en-ZA" dirty="0" smtClean="0"/>
+              <a:t>movie theatre</a:t>
+            </a:r>
+            <a:r>
+              <a:rPr lang="en-ZA" dirty="0" smtClean="0"/>
+              <a:t> </a:t>
+            </a:r>
+            <a:r>
+              <a:rPr lang="en-ZA" dirty="0"/>
+              <a:t>is a new up and coming movie theatre in a residential area of South Africa. The movie theatre will show recently released </a:t>
             </a:r>
             <a:r>
               <a:rPr lang="en-ZA" b="1" dirty="0"/>
@@ -6988,7 +7128,15 @@
             </a:r>
             <a:r>
               <a:rPr lang="en-ZA" dirty="0"/>
-              <a:t> as well as special movies for special occasions (e.g. Christmas season, Valentine’s day, ladies’ night). Audience members will be able to book </a:t>
+              <a:t> as well as special movies for special occasions (e.g. Christmas season, Valentine’s day, ladies’ night</a:t>
+            </a:r>
+            <a:r>
+              <a:rPr lang="en-ZA" dirty="0" smtClean="0"/>
+              <a:t>).  </a:t>
+            </a:r>
+            <a:r>
+              <a:rPr lang="en-ZA" dirty="0"/>
+              <a:t>Audience members will be able to book </a:t>
             </a:r>
             <a:r>
               <a:rPr lang="en-ZA" b="1" dirty="0"/>
@@ -7013,8 +7161,41 @@
             </a:pPr>
             <a:r>
               <a:rPr lang="en-ZA" dirty="0"/>
-              <a:t>There is currently no automated system in place at the movie theatre and the owners requested a system that is not run by a third party.</a:t>
-            </a:r>
+              <a:t>There is currently no </a:t>
+            </a:r>
+            <a:r>
+              <a:rPr lang="en-ZA" i="1" dirty="0"/>
+              <a:t>automated</a:t>
+            </a:r>
+            <a:r>
+              <a:rPr lang="en-ZA" dirty="0"/>
+              <a:t> system in place at the movie </a:t>
+            </a:r>
+            <a:r>
+              <a:rPr lang="en-ZA" dirty="0" smtClean="0"/>
+              <a:t>theatre, and </a:t>
+            </a:r>
+            <a:r>
+              <a:rPr lang="en-ZA" dirty="0"/>
+              <a:t>the owners requested a system that is not run by a third party</a:t>
+            </a:r>
+            <a:r>
+              <a:rPr lang="en-ZA" dirty="0"/>
+              <a:t>. </a:t>
+            </a:r>
+            <a:r>
+              <a:rPr lang="en-ZA" dirty="0" smtClean="0"/>
+              <a:t>However </a:t>
+            </a:r>
+            <a:r>
+              <a:rPr lang="en-ZA" dirty="0"/>
+              <a:t>we will implement </a:t>
+            </a:r>
+            <a:r>
+              <a:rPr lang="en-ZA" dirty="0" smtClean="0"/>
+              <a:t>an Information System using existing hardware.</a:t>
+            </a:r>
+            <a:endParaRPr lang="en-ZA" dirty="0"/>
           </a:p>
           <a:p>
             <a:pPr marL="0" indent="0">
@@ -7034,6 +7215,13 @@
   <p:clrMapOvr>
     <a:masterClrMapping/>
   </p:clrMapOvr>
+  <p:timing>
+    <p:tnLst>
+      <p:par>
+        <p:cTn id="1" dur="indefinite" restart="never" nodeType="tmRoot"/>
+      </p:par>
+    </p:tnLst>
+  </p:timing>
 </p:sld>
 </file>
 
@@ -7059,7 +7247,7 @@
           <p:cNvPr id="2" name="Title 1">
             <a:extLst>
               <a:ext uri="{FF2B5EF4-FFF2-40B4-BE49-F238E27FC236}">
-                <a16:creationId xmlns:a16="http://schemas.microsoft.com/office/drawing/2014/main" id="{F3B41481-924F-4DAA-8B50-E91EDB2D9654}"/>
+                <a16:creationId xmlns:a16="http://schemas.microsoft.com/office/drawing/2014/main" xmlns="" id="{F3B41481-924F-4DAA-8B50-E91EDB2D9654}"/>
               </a:ext>
             </a:extLst>
           </p:cNvPr>
@@ -7087,7 +7275,7 @@
           <p:cNvPr id="3" name="Content Placeholder 2">
             <a:extLst>
               <a:ext uri="{FF2B5EF4-FFF2-40B4-BE49-F238E27FC236}">
-                <a16:creationId xmlns:a16="http://schemas.microsoft.com/office/drawing/2014/main" id="{061940A9-CC1D-46B1-9D0C-205FDA50D6C1}"/>
+                <a16:creationId xmlns:a16="http://schemas.microsoft.com/office/drawing/2014/main" xmlns="" id="{061940A9-CC1D-46B1-9D0C-205FDA50D6C1}"/>
               </a:ext>
             </a:extLst>
           </p:cNvPr>
@@ -7136,8 +7324,13 @@
             <a:pPr lvl="0"/>
             <a:r>
               <a:rPr lang="en-ZA" dirty="0"/>
-              <a:t>Reporting must be implemented e.g. popular movie genre attended per year, most frequent nights visited.</a:t>
-            </a:r>
+              <a:t>Reporting must be implemented e.g. popular movie genre attended per year, most frequent nights </a:t>
+            </a:r>
+            <a:r>
+              <a:rPr lang="en-ZA" dirty="0" smtClean="0"/>
+              <a:t>visited, profit margins.</a:t>
+            </a:r>
+            <a:endParaRPr lang="en-ZA" dirty="0"/>
           </a:p>
           <a:p>
             <a:pPr marL="0" indent="0">
@@ -7157,6 +7350,13 @@
   <p:clrMapOvr>
     <a:masterClrMapping/>
   </p:clrMapOvr>
+  <p:timing>
+    <p:tnLst>
+      <p:par>
+        <p:cTn id="1" dur="indefinite" restart="never" nodeType="tmRoot"/>
+      </p:par>
+    </p:tnLst>
+  </p:timing>
 </p:sld>
 </file>
 
@@ -7182,7 +7382,7 @@
           <p:cNvPr id="2" name="Title 1">
             <a:extLst>
               <a:ext uri="{FF2B5EF4-FFF2-40B4-BE49-F238E27FC236}">
-                <a16:creationId xmlns:a16="http://schemas.microsoft.com/office/drawing/2014/main" id="{E0AF5704-4815-4A72-85A6-D272841FF921}"/>
+                <a16:creationId xmlns:a16="http://schemas.microsoft.com/office/drawing/2014/main" xmlns="" id="{E0AF5704-4815-4A72-85A6-D272841FF921}"/>
               </a:ext>
             </a:extLst>
           </p:cNvPr>
@@ -7210,7 +7410,7 @@
           <p:cNvPr id="3" name="Content Placeholder 2">
             <a:extLst>
               <a:ext uri="{FF2B5EF4-FFF2-40B4-BE49-F238E27FC236}">
-                <a16:creationId xmlns:a16="http://schemas.microsoft.com/office/drawing/2014/main" id="{2B3813E4-1034-4908-BFDF-20FD5E9C05BF}"/>
+                <a16:creationId xmlns:a16="http://schemas.microsoft.com/office/drawing/2014/main" xmlns="" id="{2B3813E4-1034-4908-BFDF-20FD5E9C05BF}"/>
               </a:ext>
             </a:extLst>
           </p:cNvPr>
@@ -7221,7 +7421,12 @@
             <p:ph idx="1"/>
           </p:nvPr>
         </p:nvSpPr>
-        <p:spPr/>
+        <p:spPr>
+          <a:xfrm>
+            <a:off x="2231136" y="2645995"/>
+            <a:ext cx="7729728" cy="3101983"/>
+          </a:xfrm>
+        </p:spPr>
         <p:txBody>
           <a:bodyPr/>
           <a:lstStyle/>
@@ -7236,7 +7441,23 @@
             <a:pPr lvl="0"/>
             <a:r>
               <a:rPr lang="en-ZA" dirty="0"/>
-              <a:t>Help function is needed for new clients using the system.</a:t>
+              <a:t>Help function is needed for new </a:t>
+            </a:r>
+            <a:r>
+              <a:rPr lang="en-ZA" dirty="0" smtClean="0"/>
+              <a:t>users </a:t>
+            </a:r>
+            <a:r>
+              <a:rPr lang="en-ZA" dirty="0" smtClean="0"/>
+              <a:t>and clients </a:t>
+            </a:r>
+            <a:r>
+              <a:rPr lang="en-ZA" dirty="0" smtClean="0"/>
+              <a:t>using </a:t>
+            </a:r>
+            <a:r>
+              <a:rPr lang="en-ZA" dirty="0"/>
+              <a:t>the system.</a:t>
             </a:r>
           </a:p>
           <a:p>
@@ -7268,6 +7489,13 @@
   <p:clrMapOvr>
     <a:masterClrMapping/>
   </p:clrMapOvr>
+  <p:timing>
+    <p:tnLst>
+      <p:par>
+        <p:cTn id="1" dur="indefinite" restart="never" nodeType="tmRoot"/>
+      </p:par>
+    </p:tnLst>
+  </p:timing>
 </p:sld>
 </file>
 
@@ -7293,7 +7521,7 @@
           <p:cNvPr id="2" name="Title 1">
             <a:extLst>
               <a:ext uri="{FF2B5EF4-FFF2-40B4-BE49-F238E27FC236}">
-                <a16:creationId xmlns:a16="http://schemas.microsoft.com/office/drawing/2014/main" id="{C52A42B9-6D98-4649-ADE8-608A5F8ACF68}"/>
+                <a16:creationId xmlns:a16="http://schemas.microsoft.com/office/drawing/2014/main" xmlns="" id="{C52A42B9-6D98-4649-ADE8-608A5F8ACF68}"/>
               </a:ext>
             </a:extLst>
           </p:cNvPr>
@@ -7321,7 +7549,7 @@
           <p:cNvPr id="3" name="Content Placeholder 2">
             <a:extLst>
               <a:ext uri="{FF2B5EF4-FFF2-40B4-BE49-F238E27FC236}">
-                <a16:creationId xmlns:a16="http://schemas.microsoft.com/office/drawing/2014/main" id="{1AEBFEFB-919C-4C33-9865-9286AE7FD5E8}"/>
+                <a16:creationId xmlns:a16="http://schemas.microsoft.com/office/drawing/2014/main" xmlns="" id="{1AEBFEFB-919C-4C33-9865-9286AE7FD5E8}"/>
               </a:ext>
             </a:extLst>
           </p:cNvPr>
@@ -7354,7 +7582,15 @@
             <a:pPr lvl="0"/>
             <a:r>
               <a:rPr lang="en-ZA" dirty="0"/>
-              <a:t>All the necessary licences to develop the project, we as a company own. The movie theatre does not need any special software to run the system other than the Windows operating system which is already in place.</a:t>
+              <a:t>All the necessary licences to develop the project, we as a company own. </a:t>
+            </a:r>
+            <a:r>
+              <a:rPr lang="en-ZA" dirty="0" smtClean="0"/>
+              <a:t> The </a:t>
+            </a:r>
+            <a:r>
+              <a:rPr lang="en-ZA" dirty="0"/>
+              <a:t>movie theatre does not need any special software to run the system other than the Windows operating system which is already in place.</a:t>
             </a:r>
           </a:p>
           <a:p>
@@ -7401,7 +7637,7 @@
           <p:cNvPr id="2" name="Title 1">
             <a:extLst>
               <a:ext uri="{FF2B5EF4-FFF2-40B4-BE49-F238E27FC236}">
-                <a16:creationId xmlns:a16="http://schemas.microsoft.com/office/drawing/2014/main" id="{4433B852-1D00-4B3A-8ABE-BB73BC25F99C}"/>
+                <a16:creationId xmlns:a16="http://schemas.microsoft.com/office/drawing/2014/main" xmlns="" id="{4433B852-1D00-4B3A-8ABE-BB73BC25F99C}"/>
               </a:ext>
             </a:extLst>
           </p:cNvPr>
@@ -7429,7 +7665,7 @@
           <p:cNvPr id="3" name="Content Placeholder 2">
             <a:extLst>
               <a:ext uri="{FF2B5EF4-FFF2-40B4-BE49-F238E27FC236}">
-                <a16:creationId xmlns:a16="http://schemas.microsoft.com/office/drawing/2014/main" id="{2CA1424E-B096-4D34-9094-0CCEB9055989}"/>
+                <a16:creationId xmlns:a16="http://schemas.microsoft.com/office/drawing/2014/main" xmlns="" id="{2CA1424E-B096-4D34-9094-0CCEB9055989}"/>
               </a:ext>
             </a:extLst>
           </p:cNvPr>
@@ -7462,7 +7698,15 @@
             </a:pPr>
             <a:r>
               <a:rPr lang="en-ZA" dirty="0"/>
-              <a:t>Maintain members of movie theatre</a:t>
+              <a:t>Maintain </a:t>
+            </a:r>
+            <a:r>
+              <a:rPr lang="en-ZA" dirty="0" smtClean="0"/>
+              <a:t>clients of </a:t>
+            </a:r>
+            <a:r>
+              <a:rPr lang="en-ZA" dirty="0"/>
+              <a:t>movie theatre</a:t>
             </a:r>
           </a:p>
           <a:p>
@@ -7486,8 +7730,13 @@
             <a:pPr lvl="1"/>
             <a:r>
               <a:rPr lang="en-ZA" dirty="0"/>
-              <a:t>Special occasions</a:t>
-            </a:r>
+              <a:t>Special </a:t>
+            </a:r>
+            <a:r>
+              <a:rPr lang="en-ZA" dirty="0" smtClean="0"/>
+              <a:t>occasions (Valentines, ladies &amp; boys nights, etc.) </a:t>
+            </a:r>
+            <a:endParaRPr lang="en-ZA" dirty="0"/>
           </a:p>
           <a:p>
             <a:pPr marL="342900" lvl="0" indent="-342900">
@@ -7519,8 +7768,16 @@
               <a:buAutoNum type="arabicPeriod"/>
             </a:pPr>
             <a:r>
-              <a:rPr lang="en-ZA" dirty="0"/>
-              <a:t>Show seat that are booked.</a:t>
+              <a:rPr lang="en-ZA" dirty="0" smtClean="0"/>
+              <a:t>Indicate </a:t>
+            </a:r>
+            <a:r>
+              <a:rPr lang="en-ZA" dirty="0" smtClean="0"/>
+              <a:t>seats </a:t>
+            </a:r>
+            <a:r>
+              <a:rPr lang="en-ZA" dirty="0"/>
+              <a:t>that are booked.</a:t>
             </a:r>
           </a:p>
           <a:p>
@@ -7566,7 +7823,7 @@
           <p:cNvPr id="2" name="Title 1">
             <a:extLst>
               <a:ext uri="{FF2B5EF4-FFF2-40B4-BE49-F238E27FC236}">
-                <a16:creationId xmlns:a16="http://schemas.microsoft.com/office/drawing/2014/main" id="{166CAA88-BE70-49D2-A623-33DF1D4424F1}"/>
+                <a16:creationId xmlns:a16="http://schemas.microsoft.com/office/drawing/2014/main" xmlns="" id="{166CAA88-BE70-49D2-A623-33DF1D4424F1}"/>
               </a:ext>
             </a:extLst>
           </p:cNvPr>
@@ -7594,7 +7851,7 @@
           <p:cNvPr id="3" name="Content Placeholder 2">
             <a:extLst>
               <a:ext uri="{FF2B5EF4-FFF2-40B4-BE49-F238E27FC236}">
-                <a16:creationId xmlns:a16="http://schemas.microsoft.com/office/drawing/2014/main" id="{ADD48FBF-713A-4044-9CCE-E3FB9377A6A1}"/>
+                <a16:creationId xmlns:a16="http://schemas.microsoft.com/office/drawing/2014/main" xmlns="" id="{ADD48FBF-713A-4044-9CCE-E3FB9377A6A1}"/>
               </a:ext>
             </a:extLst>
           </p:cNvPr>
@@ -7670,7 +7927,15 @@
             <a:pPr lvl="1"/>
             <a:r>
               <a:rPr lang="en-ZA" dirty="0"/>
-              <a:t>Graphical representation of popular times movies is watched.</a:t>
+              <a:t>Graphical representation of popular times movies </a:t>
+            </a:r>
+            <a:r>
+              <a:rPr lang="en-ZA" dirty="0" smtClean="0"/>
+              <a:t>are watched</a:t>
+            </a:r>
+            <a:r>
+              <a:rPr lang="en-ZA" dirty="0"/>
+              <a:t>.</a:t>
             </a:r>
           </a:p>
           <a:p>
@@ -7713,7 +7978,7 @@
           <p:cNvPr id="2" name="Title 1">
             <a:extLst>
               <a:ext uri="{FF2B5EF4-FFF2-40B4-BE49-F238E27FC236}">
-                <a16:creationId xmlns:a16="http://schemas.microsoft.com/office/drawing/2014/main" id="{6EB0CCB9-8916-45FA-81B8-3506182F6101}"/>
+                <a16:creationId xmlns:a16="http://schemas.microsoft.com/office/drawing/2014/main" xmlns="" id="{6EB0CCB9-8916-45FA-81B8-3506182F6101}"/>
               </a:ext>
             </a:extLst>
           </p:cNvPr>
@@ -7741,7 +8006,7 @@
           <p:cNvPr id="3" name="Content Placeholder 2">
             <a:extLst>
               <a:ext uri="{FF2B5EF4-FFF2-40B4-BE49-F238E27FC236}">
-                <a16:creationId xmlns:a16="http://schemas.microsoft.com/office/drawing/2014/main" id="{B1EE9066-5B0F-4D1B-BE7D-0DD826728571}"/>
+                <a16:creationId xmlns:a16="http://schemas.microsoft.com/office/drawing/2014/main" xmlns="" id="{B1EE9066-5B0F-4D1B-BE7D-0DD826728571}"/>
               </a:ext>
             </a:extLst>
           </p:cNvPr>
@@ -8059,7 +8324,7 @@
   <a:extraClrSchemeLst/>
   <a:extLst>
     <a:ext uri="{05A4C25C-085E-4340-85A3-A5531E510DB2}">
-      <thm15:themeFamily xmlns:thm15="http://schemas.microsoft.com/office/thememl/2012/main" name="Parcel" id="{8BEC4385-4EB9-4D53-BFB5-0EA123736B6D}" vid="{4DB32801-28C0-48B0-8C1D-A9A58613615A}"/>
+      <thm15:themeFamily xmlns:thm15="http://schemas.microsoft.com/office/thememl/2012/main" xmlns="" name="Parcel" id="{8BEC4385-4EB9-4D53-BFB5-0EA123736B6D}" vid="{4DB32801-28C0-48B0-8C1D-A9A58613615A}"/>
     </a:ext>
   </a:extLst>
 </a:theme>
